--- a/figures/architecture.pptx
+++ b/figures/architecture.pptx
@@ -202,7 +202,7 @@
           <a:p>
             <a:fld id="{807B97B6-8963-704F-93A6-C46FE0070559}" type="datetimeFigureOut">
               <a:rPr lang="en-US" smtClean="0"/>
-              <a:t>1/16/15</a:t>
+              <a:t>1/19/15</a:t>
             </a:fld>
             <a:endParaRPr lang="en-US"/>
           </a:p>
@@ -819,7 +819,7 @@
           <a:p>
             <a:fld id="{1AE1A413-37B8-9D4A-8DD5-0C01E3148787}" type="datetimeFigureOut">
               <a:rPr lang="en-US" smtClean="0"/>
-              <a:t>1/16/15</a:t>
+              <a:t>1/19/15</a:t>
             </a:fld>
             <a:endParaRPr lang="en-US"/>
           </a:p>
@@ -989,7 +989,7 @@
           <a:p>
             <a:fld id="{1AE1A413-37B8-9D4A-8DD5-0C01E3148787}" type="datetimeFigureOut">
               <a:rPr lang="en-US" smtClean="0"/>
-              <a:t>1/16/15</a:t>
+              <a:t>1/19/15</a:t>
             </a:fld>
             <a:endParaRPr lang="en-US"/>
           </a:p>
@@ -1169,7 +1169,7 @@
           <a:p>
             <a:fld id="{1AE1A413-37B8-9D4A-8DD5-0C01E3148787}" type="datetimeFigureOut">
               <a:rPr lang="en-US" smtClean="0"/>
-              <a:t>1/16/15</a:t>
+              <a:t>1/19/15</a:t>
             </a:fld>
             <a:endParaRPr lang="en-US"/>
           </a:p>
@@ -1339,7 +1339,7 @@
           <a:p>
             <a:fld id="{1AE1A413-37B8-9D4A-8DD5-0C01E3148787}" type="datetimeFigureOut">
               <a:rPr lang="en-US" smtClean="0"/>
-              <a:t>1/16/15</a:t>
+              <a:t>1/19/15</a:t>
             </a:fld>
             <a:endParaRPr lang="en-US"/>
           </a:p>
@@ -1585,7 +1585,7 @@
           <a:p>
             <a:fld id="{1AE1A413-37B8-9D4A-8DD5-0C01E3148787}" type="datetimeFigureOut">
               <a:rPr lang="en-US" smtClean="0"/>
-              <a:t>1/16/15</a:t>
+              <a:t>1/19/15</a:t>
             </a:fld>
             <a:endParaRPr lang="en-US"/>
           </a:p>
@@ -1873,7 +1873,7 @@
           <a:p>
             <a:fld id="{1AE1A413-37B8-9D4A-8DD5-0C01E3148787}" type="datetimeFigureOut">
               <a:rPr lang="en-US" smtClean="0"/>
-              <a:t>1/16/15</a:t>
+              <a:t>1/19/15</a:t>
             </a:fld>
             <a:endParaRPr lang="en-US"/>
           </a:p>
@@ -2295,7 +2295,7 @@
           <a:p>
             <a:fld id="{1AE1A413-37B8-9D4A-8DD5-0C01E3148787}" type="datetimeFigureOut">
               <a:rPr lang="en-US" smtClean="0"/>
-              <a:t>1/16/15</a:t>
+              <a:t>1/19/15</a:t>
             </a:fld>
             <a:endParaRPr lang="en-US"/>
           </a:p>
@@ -2413,7 +2413,7 @@
           <a:p>
             <a:fld id="{1AE1A413-37B8-9D4A-8DD5-0C01E3148787}" type="datetimeFigureOut">
               <a:rPr lang="en-US" smtClean="0"/>
-              <a:t>1/16/15</a:t>
+              <a:t>1/19/15</a:t>
             </a:fld>
             <a:endParaRPr lang="en-US"/>
           </a:p>
@@ -2508,7 +2508,7 @@
           <a:p>
             <a:fld id="{1AE1A413-37B8-9D4A-8DD5-0C01E3148787}" type="datetimeFigureOut">
               <a:rPr lang="en-US" smtClean="0"/>
-              <a:t>1/16/15</a:t>
+              <a:t>1/19/15</a:t>
             </a:fld>
             <a:endParaRPr lang="en-US"/>
           </a:p>
@@ -2785,7 +2785,7 @@
           <a:p>
             <a:fld id="{1AE1A413-37B8-9D4A-8DD5-0C01E3148787}" type="datetimeFigureOut">
               <a:rPr lang="en-US" smtClean="0"/>
-              <a:t>1/16/15</a:t>
+              <a:t>1/19/15</a:t>
             </a:fld>
             <a:endParaRPr lang="en-US"/>
           </a:p>
@@ -3038,7 +3038,7 @@
           <a:p>
             <a:fld id="{1AE1A413-37B8-9D4A-8DD5-0C01E3148787}" type="datetimeFigureOut">
               <a:rPr lang="en-US" smtClean="0"/>
-              <a:t>1/16/15</a:t>
+              <a:t>1/19/15</a:t>
             </a:fld>
             <a:endParaRPr lang="en-US"/>
           </a:p>
@@ -3251,7 +3251,7 @@
           <a:p>
             <a:fld id="{1AE1A413-37B8-9D4A-8DD5-0C01E3148787}" type="datetimeFigureOut">
               <a:rPr lang="en-US" smtClean="0"/>
-              <a:t>1/16/15</a:t>
+              <a:t>1/19/15</a:t>
             </a:fld>
             <a:endParaRPr lang="en-US"/>
           </a:p>
@@ -3634,8 +3634,8 @@
         </p:nvSpPr>
         <p:spPr>
           <a:xfrm>
-            <a:off x="871585" y="2627389"/>
-            <a:ext cx="3637043" cy="1307472"/>
+            <a:off x="958744" y="2480991"/>
+            <a:ext cx="3549884" cy="1453870"/>
           </a:xfrm>
           <a:prstGeom prst="rect">
             <a:avLst/>
@@ -3671,7 +3671,74 @@
           <a:lstStyle/>
           <a:p>
             <a:pPr algn="ctr"/>
-            <a:endParaRPr lang="en-US" sz="3200" dirty="0" smtClean="0">
+            <a:endParaRPr lang="en-US" sz="3600" dirty="0" smtClean="0">
+              <a:solidFill>
+                <a:srgbClr val="000000"/>
+              </a:solidFill>
+            </a:endParaRPr>
+          </a:p>
+          <a:p>
+            <a:pPr algn="ctr"/>
+            <a:endParaRPr lang="en-US" sz="3600" dirty="0">
+              <a:solidFill>
+                <a:srgbClr val="000000"/>
+              </a:solidFill>
+            </a:endParaRPr>
+          </a:p>
+          <a:p>
+            <a:pPr algn="ctr"/>
+            <a:endParaRPr lang="en-US" sz="2400" b="1" dirty="0" smtClean="0">
+              <a:solidFill>
+                <a:srgbClr val="000000"/>
+              </a:solidFill>
+            </a:endParaRPr>
+          </a:p>
+          <a:p>
+            <a:pPr algn="ctr"/>
+            <a:r>
+              <a:rPr lang="en-US" sz="2400" b="1" dirty="0" smtClean="0">
+                <a:solidFill>
+                  <a:srgbClr val="000000"/>
+                </a:solidFill>
+              </a:rPr>
+              <a:t>User </a:t>
+            </a:r>
+            <a:r>
+              <a:rPr lang="en-US" sz="2400" b="1" dirty="0" smtClean="0">
+                <a:solidFill>
+                  <a:srgbClr val="000000"/>
+                </a:solidFill>
+              </a:rPr>
+              <a:t>Space</a:t>
+            </a:r>
+          </a:p>
+          <a:p>
+            <a:pPr algn="ctr"/>
+            <a:endParaRPr lang="en-US" sz="3600" dirty="0">
+              <a:solidFill>
+                <a:srgbClr val="000000"/>
+              </a:solidFill>
+            </a:endParaRPr>
+          </a:p>
+          <a:p>
+            <a:pPr algn="ctr"/>
+            <a:endParaRPr lang="en-US" sz="3600" dirty="0" smtClean="0">
+              <a:solidFill>
+                <a:srgbClr val="000000"/>
+              </a:solidFill>
+            </a:endParaRPr>
+          </a:p>
+          <a:p>
+            <a:pPr algn="ctr"/>
+            <a:endParaRPr lang="en-US" sz="3600" dirty="0">
+              <a:solidFill>
+                <a:srgbClr val="000000"/>
+              </a:solidFill>
+            </a:endParaRPr>
+          </a:p>
+          <a:p>
+            <a:pPr algn="ctr"/>
+            <a:endParaRPr lang="en-US" sz="3600" dirty="0" smtClean="0">
               <a:solidFill>
                 <a:srgbClr val="000000"/>
               </a:solidFill>
@@ -3685,65 +3752,6 @@
               </a:solidFill>
             </a:endParaRPr>
           </a:p>
-          <a:p>
-            <a:pPr algn="ctr"/>
-            <a:endParaRPr lang="en-US" sz="2000" b="1" dirty="0" smtClean="0">
-              <a:solidFill>
-                <a:srgbClr val="000000"/>
-              </a:solidFill>
-            </a:endParaRPr>
-          </a:p>
-          <a:p>
-            <a:pPr algn="ctr"/>
-            <a:r>
-              <a:rPr lang="en-US" sz="2000" b="1" dirty="0" smtClean="0">
-                <a:solidFill>
-                  <a:srgbClr val="000000"/>
-                </a:solidFill>
-              </a:rPr>
-              <a:t>User Space</a:t>
-            </a:r>
-          </a:p>
-          <a:p>
-            <a:pPr algn="ctr"/>
-            <a:endParaRPr lang="en-US" sz="3200" dirty="0">
-              <a:solidFill>
-                <a:srgbClr val="000000"/>
-              </a:solidFill>
-            </a:endParaRPr>
-          </a:p>
-          <a:p>
-            <a:pPr algn="ctr"/>
-            <a:endParaRPr lang="en-US" sz="3200" dirty="0" smtClean="0">
-              <a:solidFill>
-                <a:srgbClr val="000000"/>
-              </a:solidFill>
-            </a:endParaRPr>
-          </a:p>
-          <a:p>
-            <a:pPr algn="ctr"/>
-            <a:endParaRPr lang="en-US" sz="3200" dirty="0">
-              <a:solidFill>
-                <a:srgbClr val="000000"/>
-              </a:solidFill>
-            </a:endParaRPr>
-          </a:p>
-          <a:p>
-            <a:pPr algn="ctr"/>
-            <a:endParaRPr lang="en-US" sz="3200" dirty="0" smtClean="0">
-              <a:solidFill>
-                <a:srgbClr val="000000"/>
-              </a:solidFill>
-            </a:endParaRPr>
-          </a:p>
-          <a:p>
-            <a:pPr algn="ctr"/>
-            <a:endParaRPr lang="en-US" sz="2800" dirty="0">
-              <a:solidFill>
-                <a:srgbClr val="000000"/>
-              </a:solidFill>
-            </a:endParaRPr>
-          </a:p>
         </p:txBody>
       </p:sp>
       <p:sp>
@@ -3754,8 +3762,8 @@
         </p:nvSpPr>
         <p:spPr>
           <a:xfrm>
-            <a:off x="871585" y="3934862"/>
-            <a:ext cx="3637043" cy="1126157"/>
+            <a:off x="958744" y="3934862"/>
+            <a:ext cx="3549884" cy="1126157"/>
           </a:xfrm>
           <a:prstGeom prst="rect">
             <a:avLst/>
@@ -3790,7 +3798,7 @@
           <a:lstStyle/>
           <a:p>
             <a:pPr algn="ctr"/>
-            <a:endParaRPr lang="en-US" sz="3200" dirty="0" smtClean="0">
+            <a:endParaRPr lang="en-US" sz="3600" dirty="0" smtClean="0">
               <a:solidFill>
                 <a:schemeClr val="tx1"/>
               </a:solidFill>
@@ -3798,7 +3806,7 @@
           </a:p>
           <a:p>
             <a:pPr algn="ctr"/>
-            <a:endParaRPr lang="en-US" sz="3200" dirty="0" smtClean="0">
+            <a:endParaRPr lang="en-US" sz="3600" dirty="0" smtClean="0">
               <a:solidFill>
                 <a:schemeClr val="tx1"/>
               </a:solidFill>
@@ -3806,7 +3814,7 @@
           </a:p>
           <a:p>
             <a:pPr algn="ctr"/>
-            <a:endParaRPr lang="en-US" sz="2000" b="1" dirty="0" smtClean="0">
+            <a:endParaRPr lang="en-US" sz="2400" b="1" dirty="0" smtClean="0">
               <a:solidFill>
                 <a:schemeClr val="tx1"/>
               </a:solidFill>
@@ -3814,7 +3822,7 @@
           </a:p>
           <a:p>
             <a:pPr algn="ctr"/>
-            <a:endParaRPr lang="en-US" sz="2000" b="1" dirty="0">
+            <a:endParaRPr lang="en-US" sz="2400" b="1" dirty="0">
               <a:solidFill>
                 <a:schemeClr val="tx1"/>
               </a:solidFill>
@@ -3823,7 +3831,7 @@
           <a:p>
             <a:pPr algn="ctr"/>
             <a:r>
-              <a:rPr lang="en-US" sz="2000" b="1" dirty="0" smtClean="0">
+              <a:rPr lang="en-US" sz="2400" b="1" dirty="0" smtClean="0">
                 <a:solidFill>
                   <a:schemeClr val="tx1"/>
                 </a:solidFill>
@@ -3833,7 +3841,7 @@
           </a:p>
           <a:p>
             <a:pPr algn="ctr"/>
-            <a:endParaRPr lang="en-US" sz="3200" dirty="0" smtClean="0">
+            <a:endParaRPr lang="en-US" sz="3600" dirty="0" smtClean="0">
               <a:solidFill>
                 <a:schemeClr val="tx1"/>
               </a:solidFill>
@@ -3841,7 +3849,7 @@
           </a:p>
           <a:p>
             <a:pPr algn="ctr"/>
-            <a:endParaRPr lang="en-US" sz="3200" dirty="0">
+            <a:endParaRPr lang="en-US" sz="3600" dirty="0">
               <a:solidFill>
                 <a:schemeClr val="tx1"/>
               </a:solidFill>
@@ -3849,7 +3857,7 @@
           </a:p>
           <a:p>
             <a:pPr algn="ctr"/>
-            <a:endParaRPr lang="en-US" sz="3200" dirty="0" smtClean="0">
+            <a:endParaRPr lang="en-US" sz="3600" dirty="0" smtClean="0">
               <a:solidFill>
                 <a:schemeClr val="tx1"/>
               </a:solidFill>
@@ -3857,7 +3865,7 @@
           </a:p>
           <a:p>
             <a:pPr algn="ctr"/>
-            <a:endParaRPr lang="en-US" sz="3200" dirty="0">
+            <a:endParaRPr lang="en-US" sz="3600" dirty="0">
               <a:solidFill>
                 <a:schemeClr val="tx1"/>
               </a:solidFill>
@@ -3865,7 +3873,7 @@
           </a:p>
           <a:p>
             <a:pPr algn="ctr"/>
-            <a:endParaRPr lang="en-US" sz="3200" dirty="0" smtClean="0">
+            <a:endParaRPr lang="en-US" sz="3600" dirty="0" smtClean="0">
               <a:solidFill>
                 <a:schemeClr val="tx1"/>
               </a:solidFill>
@@ -3881,8 +3889,8 @@
         </p:nvSpPr>
         <p:spPr>
           <a:xfrm>
-            <a:off x="867960" y="5072777"/>
-            <a:ext cx="3637043" cy="352056"/>
+            <a:off x="958744" y="5072777"/>
+            <a:ext cx="3546259" cy="352056"/>
           </a:xfrm>
           <a:prstGeom prst="rect">
             <a:avLst/>
@@ -3916,12 +3924,114 @@
           <a:p>
             <a:pPr algn="ctr"/>
             <a:r>
+              <a:rPr lang="en-US" sz="2400" b="1" dirty="0" smtClean="0">
+                <a:solidFill>
+                  <a:schemeClr val="tx1"/>
+                </a:solidFill>
+              </a:rPr>
+              <a:t>NIC Driver</a:t>
+            </a:r>
+            <a:endParaRPr lang="en-US" sz="2400" b="1" dirty="0">
+              <a:solidFill>
+                <a:schemeClr val="tx1"/>
+              </a:solidFill>
+            </a:endParaRPr>
+          </a:p>
+        </p:txBody>
+      </p:sp>
+      <p:sp>
+        <p:nvSpPr>
+          <p:cNvPr id="2" name="Rounded Rectangle 1"/>
+          <p:cNvSpPr/>
+          <p:nvPr/>
+        </p:nvSpPr>
+        <p:spPr>
+          <a:xfrm>
+            <a:off x="994021" y="3229316"/>
+            <a:ext cx="2129191" cy="618380"/>
+          </a:xfrm>
+          <a:prstGeom prst="roundRect">
+            <a:avLst/>
+          </a:prstGeom>
+          <a:solidFill>
+            <a:schemeClr val="accent4">
+              <a:lumMod val="75000"/>
+            </a:schemeClr>
+          </a:solidFill>
+        </p:spPr>
+        <p:style>
+          <a:lnRef idx="1">
+            <a:schemeClr val="accent1"/>
+          </a:lnRef>
+          <a:fillRef idx="3">
+            <a:schemeClr val="accent1"/>
+          </a:fillRef>
+          <a:effectRef idx="2">
+            <a:schemeClr val="accent1"/>
+          </a:effectRef>
+          <a:fontRef idx="minor">
+            <a:schemeClr val="lt1"/>
+          </a:fontRef>
+        </p:style>
+        <p:txBody>
+          <a:bodyPr rtlCol="0" anchor="ctr"/>
+          <a:lstStyle/>
+          <a:p>
+            <a:pPr algn="ctr"/>
+            <a:r>
+              <a:rPr lang="en-US" sz="3600" dirty="0" smtClean="0"/>
+              <a:t>NF 1</a:t>
+            </a:r>
+            <a:endParaRPr lang="en-US" sz="1200" dirty="0"/>
+          </a:p>
+        </p:txBody>
+      </p:sp>
+      <p:sp>
+        <p:nvSpPr>
+          <p:cNvPr id="3" name="Rounded Rectangle 2"/>
+          <p:cNvSpPr/>
+          <p:nvPr/>
+        </p:nvSpPr>
+        <p:spPr>
+          <a:xfrm>
+            <a:off x="3522166" y="3229316"/>
+            <a:ext cx="885616" cy="618380"/>
+          </a:xfrm>
+          <a:prstGeom prst="roundRect">
+            <a:avLst/>
+          </a:prstGeom>
+          <a:solidFill>
+            <a:schemeClr val="bg1">
+              <a:lumMod val="75000"/>
+            </a:schemeClr>
+          </a:solidFill>
+        </p:spPr>
+        <p:style>
+          <a:lnRef idx="1">
+            <a:schemeClr val="accent1"/>
+          </a:lnRef>
+          <a:fillRef idx="3">
+            <a:schemeClr val="accent1"/>
+          </a:fillRef>
+          <a:effectRef idx="2">
+            <a:schemeClr val="accent1"/>
+          </a:effectRef>
+          <a:fontRef idx="minor">
+            <a:schemeClr val="lt1"/>
+          </a:fontRef>
+        </p:style>
+        <p:txBody>
+          <a:bodyPr rtlCol="0" anchor="ctr"/>
+          <a:lstStyle/>
+          <a:p>
+            <a:pPr algn="ctr"/>
+            <a:r>
               <a:rPr lang="en-US" sz="2000" b="1" dirty="0" smtClean="0">
                 <a:solidFill>
                   <a:schemeClr val="tx1"/>
                 </a:solidFill>
               </a:rPr>
-              <a:t>NIC Driver</a:t>
+              <a:t>User Agent</a:t>
             </a:r>
             <a:endParaRPr lang="en-US" sz="2000" b="1" dirty="0">
               <a:solidFill>
@@ -3933,108 +4043,6 @@
       </p:sp>
       <p:sp>
         <p:nvSpPr>
-          <p:cNvPr id="2" name="Rounded Rectangle 1"/>
-          <p:cNvSpPr/>
-          <p:nvPr/>
-        </p:nvSpPr>
-        <p:spPr>
-          <a:xfrm>
-            <a:off x="958744" y="3229316"/>
-            <a:ext cx="2129191" cy="618380"/>
-          </a:xfrm>
-          <a:prstGeom prst="roundRect">
-            <a:avLst/>
-          </a:prstGeom>
-          <a:solidFill>
-            <a:schemeClr val="accent4">
-              <a:lumMod val="75000"/>
-            </a:schemeClr>
-          </a:solidFill>
-        </p:spPr>
-        <p:style>
-          <a:lnRef idx="1">
-            <a:schemeClr val="accent1"/>
-          </a:lnRef>
-          <a:fillRef idx="3">
-            <a:schemeClr val="accent1"/>
-          </a:fillRef>
-          <a:effectRef idx="2">
-            <a:schemeClr val="accent1"/>
-          </a:effectRef>
-          <a:fontRef idx="minor">
-            <a:schemeClr val="lt1"/>
-          </a:fontRef>
-        </p:style>
-        <p:txBody>
-          <a:bodyPr rtlCol="0" anchor="ctr"/>
-          <a:lstStyle/>
-          <a:p>
-            <a:pPr algn="ctr"/>
-            <a:r>
-              <a:rPr lang="en-US" sz="3600" dirty="0" smtClean="0"/>
-              <a:t>NF 1</a:t>
-            </a:r>
-            <a:endParaRPr lang="en-US" sz="1200" dirty="0"/>
-          </a:p>
-        </p:txBody>
-      </p:sp>
-      <p:sp>
-        <p:nvSpPr>
-          <p:cNvPr id="3" name="Rounded Rectangle 2"/>
-          <p:cNvSpPr/>
-          <p:nvPr/>
-        </p:nvSpPr>
-        <p:spPr>
-          <a:xfrm>
-            <a:off x="3522166" y="3229316"/>
-            <a:ext cx="885616" cy="618380"/>
-          </a:xfrm>
-          <a:prstGeom prst="roundRect">
-            <a:avLst/>
-          </a:prstGeom>
-          <a:solidFill>
-            <a:schemeClr val="bg1">
-              <a:lumMod val="75000"/>
-            </a:schemeClr>
-          </a:solidFill>
-        </p:spPr>
-        <p:style>
-          <a:lnRef idx="1">
-            <a:schemeClr val="accent1"/>
-          </a:lnRef>
-          <a:fillRef idx="3">
-            <a:schemeClr val="accent1"/>
-          </a:fillRef>
-          <a:effectRef idx="2">
-            <a:schemeClr val="accent1"/>
-          </a:effectRef>
-          <a:fontRef idx="minor">
-            <a:schemeClr val="lt1"/>
-          </a:fontRef>
-        </p:style>
-        <p:txBody>
-          <a:bodyPr rtlCol="0" anchor="ctr"/>
-          <a:lstStyle/>
-          <a:p>
-            <a:pPr algn="ctr"/>
-            <a:r>
-              <a:rPr lang="en-US" sz="2000" dirty="0" smtClean="0">
-                <a:solidFill>
-                  <a:schemeClr val="tx1"/>
-                </a:solidFill>
-              </a:rPr>
-              <a:t>User Agent</a:t>
-            </a:r>
-            <a:endParaRPr lang="en-US" sz="2000" dirty="0">
-              <a:solidFill>
-                <a:schemeClr val="tx1"/>
-              </a:solidFill>
-            </a:endParaRPr>
-          </a:p>
-        </p:txBody>
-      </p:sp>
-      <p:sp>
-        <p:nvSpPr>
           <p:cNvPr id="4" name="Rounded Rectangle 3"/>
           <p:cNvSpPr/>
           <p:nvPr/>
@@ -4073,10 +4081,10 @@
           <a:p>
             <a:pPr algn="ctr"/>
             <a:r>
-              <a:rPr lang="en-US" sz="2000" dirty="0" smtClean="0"/>
+              <a:rPr lang="en-US" sz="2400" dirty="0" smtClean="0"/>
               <a:t>Kernel Agent</a:t>
             </a:r>
-            <a:endParaRPr lang="en-US" sz="2000" dirty="0"/>
+            <a:endParaRPr lang="en-US" sz="2400" dirty="0"/>
           </a:p>
         </p:txBody>
       </p:sp>
@@ -4091,8 +4099,8 @@
         </p:nvCxnSpPr>
         <p:spPr>
           <a:xfrm>
-            <a:off x="3087935" y="3538506"/>
-            <a:ext cx="434231" cy="0"/>
+            <a:off x="3123212" y="3538506"/>
+            <a:ext cx="398954" cy="0"/>
           </a:xfrm>
           <a:prstGeom prst="straightConnector1">
             <a:avLst/>
@@ -4441,8 +4449,8 @@
         </p:nvSpPr>
         <p:spPr>
           <a:xfrm>
-            <a:off x="5244876" y="2627389"/>
-            <a:ext cx="3558267" cy="1297996"/>
+            <a:off x="5244876" y="2480991"/>
+            <a:ext cx="3558267" cy="1444394"/>
           </a:xfrm>
           <a:prstGeom prst="rect">
             <a:avLst/>
@@ -4478,7 +4486,7 @@
           <a:lstStyle/>
           <a:p>
             <a:pPr algn="ctr"/>
-            <a:endParaRPr lang="en-US" sz="3200" dirty="0" smtClean="0">
+            <a:endParaRPr lang="en-US" sz="3600" dirty="0" smtClean="0">
               <a:solidFill>
                 <a:srgbClr val="000000"/>
               </a:solidFill>
@@ -4486,7 +4494,7 @@
           </a:p>
           <a:p>
             <a:pPr algn="ctr"/>
-            <a:endParaRPr lang="en-US" sz="3200" dirty="0">
+            <a:endParaRPr lang="en-US" sz="3600" dirty="0">
               <a:solidFill>
                 <a:srgbClr val="000000"/>
               </a:solidFill>
@@ -4494,7 +4502,7 @@
           </a:p>
           <a:p>
             <a:pPr algn="ctr"/>
-            <a:endParaRPr lang="en-US" sz="2000" b="1" dirty="0" smtClean="0">
+            <a:endParaRPr lang="en-US" sz="2400" b="1" dirty="0" smtClean="0">
               <a:solidFill>
                 <a:srgbClr val="000000"/>
               </a:solidFill>
@@ -4503,7 +4511,7 @@
           <a:p>
             <a:pPr algn="ctr"/>
             <a:r>
-              <a:rPr lang="en-US" sz="2000" b="1" dirty="0" smtClean="0">
+              <a:rPr lang="en-US" sz="2400" b="1" dirty="0" smtClean="0">
                 <a:solidFill>
                   <a:srgbClr val="000000"/>
                 </a:solidFill>
@@ -4513,7 +4521,7 @@
           </a:p>
           <a:p>
             <a:pPr algn="ctr"/>
-            <a:endParaRPr lang="en-US" sz="3200" dirty="0">
+            <a:endParaRPr lang="en-US" sz="3600" dirty="0">
               <a:solidFill>
                 <a:srgbClr val="000000"/>
               </a:solidFill>
@@ -4521,7 +4529,7 @@
           </a:p>
           <a:p>
             <a:pPr algn="ctr"/>
-            <a:endParaRPr lang="en-US" sz="3200" dirty="0" smtClean="0">
+            <a:endParaRPr lang="en-US" sz="3600" dirty="0" smtClean="0">
               <a:solidFill>
                 <a:srgbClr val="000000"/>
               </a:solidFill>
@@ -4529,7 +4537,7 @@
           </a:p>
           <a:p>
             <a:pPr algn="ctr"/>
-            <a:endParaRPr lang="en-US" sz="3200" dirty="0">
+            <a:endParaRPr lang="en-US" sz="3600" dirty="0">
               <a:solidFill>
                 <a:srgbClr val="000000"/>
               </a:solidFill>
@@ -4537,7 +4545,7 @@
           </a:p>
           <a:p>
             <a:pPr algn="ctr"/>
-            <a:endParaRPr lang="en-US" sz="3200" dirty="0" smtClean="0">
+            <a:endParaRPr lang="en-US" sz="3600" dirty="0" smtClean="0">
               <a:solidFill>
                 <a:srgbClr val="000000"/>
               </a:solidFill>
@@ -4545,7 +4553,7 @@
           </a:p>
           <a:p>
             <a:pPr algn="ctr"/>
-            <a:endParaRPr lang="en-US" sz="2800" dirty="0">
+            <a:endParaRPr lang="en-US" sz="3200" dirty="0">
               <a:solidFill>
                 <a:srgbClr val="000000"/>
               </a:solidFill>
@@ -4597,7 +4605,7 @@
           <a:lstStyle/>
           <a:p>
             <a:pPr algn="ctr"/>
-            <a:endParaRPr lang="en-US" sz="3200" dirty="0" smtClean="0">
+            <a:endParaRPr lang="en-US" sz="3600" dirty="0" smtClean="0">
               <a:solidFill>
                 <a:schemeClr val="tx1"/>
               </a:solidFill>
@@ -4605,7 +4613,7 @@
           </a:p>
           <a:p>
             <a:pPr algn="ctr"/>
-            <a:endParaRPr lang="en-US" sz="3200" dirty="0">
+            <a:endParaRPr lang="en-US" sz="3600" dirty="0">
               <a:solidFill>
                 <a:schemeClr val="tx1"/>
               </a:solidFill>
@@ -4613,7 +4621,7 @@
           </a:p>
           <a:p>
             <a:pPr algn="ctr"/>
-            <a:endParaRPr lang="en-US" sz="2000" b="1" dirty="0" smtClean="0">
+            <a:endParaRPr lang="en-US" sz="2400" b="1" dirty="0" smtClean="0">
               <a:solidFill>
                 <a:schemeClr val="tx1"/>
               </a:solidFill>
@@ -4621,7 +4629,7 @@
           </a:p>
           <a:p>
             <a:pPr algn="ctr"/>
-            <a:endParaRPr lang="en-US" sz="2000" b="1" dirty="0">
+            <a:endParaRPr lang="en-US" sz="2400" b="1" dirty="0">
               <a:solidFill>
                 <a:schemeClr val="tx1"/>
               </a:solidFill>
@@ -4630,7 +4638,7 @@
           <a:p>
             <a:pPr algn="ctr"/>
             <a:r>
-              <a:rPr lang="en-US" sz="2000" b="1" dirty="0" smtClean="0">
+              <a:rPr lang="en-US" sz="2400" b="1" dirty="0" smtClean="0">
                 <a:solidFill>
                   <a:schemeClr val="tx1"/>
                 </a:solidFill>
@@ -4640,7 +4648,7 @@
           </a:p>
           <a:p>
             <a:pPr algn="ctr"/>
-            <a:endParaRPr lang="en-US" sz="3200" dirty="0" smtClean="0">
+            <a:endParaRPr lang="en-US" sz="3600" dirty="0" smtClean="0">
               <a:solidFill>
                 <a:schemeClr val="tx1"/>
               </a:solidFill>
@@ -4648,7 +4656,7 @@
           </a:p>
           <a:p>
             <a:pPr algn="ctr"/>
-            <a:endParaRPr lang="en-US" sz="3200" dirty="0">
+            <a:endParaRPr lang="en-US" sz="3600" dirty="0">
               <a:solidFill>
                 <a:schemeClr val="tx1"/>
               </a:solidFill>
@@ -4656,7 +4664,7 @@
           </a:p>
           <a:p>
             <a:pPr algn="ctr"/>
-            <a:endParaRPr lang="en-US" sz="3200" dirty="0" smtClean="0">
+            <a:endParaRPr lang="en-US" sz="3600" dirty="0" smtClean="0">
               <a:solidFill>
                 <a:schemeClr val="tx1"/>
               </a:solidFill>
@@ -4664,7 +4672,7 @@
           </a:p>
           <a:p>
             <a:pPr algn="ctr"/>
-            <a:endParaRPr lang="en-US" sz="3200" dirty="0">
+            <a:endParaRPr lang="en-US" sz="3600" dirty="0">
               <a:solidFill>
                 <a:schemeClr val="tx1"/>
               </a:solidFill>
@@ -4672,7 +4680,7 @@
           </a:p>
           <a:p>
             <a:pPr algn="ctr"/>
-            <a:endParaRPr lang="en-US" sz="3200" dirty="0" smtClean="0">
+            <a:endParaRPr lang="en-US" sz="3600" dirty="0" smtClean="0">
               <a:solidFill>
                 <a:schemeClr val="tx1"/>
               </a:solidFill>
@@ -4723,12 +4731,114 @@
           <a:p>
             <a:pPr algn="ctr"/>
             <a:r>
+              <a:rPr lang="en-US" sz="2400" b="1" dirty="0" smtClean="0">
+                <a:solidFill>
+                  <a:schemeClr val="tx1"/>
+                </a:solidFill>
+              </a:rPr>
+              <a:t>NIC Driver</a:t>
+            </a:r>
+            <a:endParaRPr lang="en-US" sz="2400" b="1" dirty="0">
+              <a:solidFill>
+                <a:schemeClr val="tx1"/>
+              </a:solidFill>
+            </a:endParaRPr>
+          </a:p>
+        </p:txBody>
+      </p:sp>
+      <p:sp>
+        <p:nvSpPr>
+          <p:cNvPr id="42" name="Rounded Rectangle 41"/>
+          <p:cNvSpPr/>
+          <p:nvPr/>
+        </p:nvSpPr>
+        <p:spPr>
+          <a:xfrm>
+            <a:off x="6661502" y="3229316"/>
+            <a:ext cx="2104288" cy="605928"/>
+          </a:xfrm>
+          <a:prstGeom prst="roundRect">
+            <a:avLst/>
+          </a:prstGeom>
+          <a:solidFill>
+            <a:schemeClr val="accent4">
+              <a:lumMod val="75000"/>
+            </a:schemeClr>
+          </a:solidFill>
+        </p:spPr>
+        <p:style>
+          <a:lnRef idx="1">
+            <a:schemeClr val="accent1"/>
+          </a:lnRef>
+          <a:fillRef idx="3">
+            <a:schemeClr val="accent1"/>
+          </a:fillRef>
+          <a:effectRef idx="2">
+            <a:schemeClr val="accent1"/>
+          </a:effectRef>
+          <a:fontRef idx="minor">
+            <a:schemeClr val="lt1"/>
+          </a:fontRef>
+        </p:style>
+        <p:txBody>
+          <a:bodyPr rtlCol="0" anchor="ctr"/>
+          <a:lstStyle/>
+          <a:p>
+            <a:pPr algn="ctr"/>
+            <a:r>
+              <a:rPr lang="en-US" sz="3600" dirty="0" smtClean="0"/>
+              <a:t>NF 2</a:t>
+            </a:r>
+            <a:endParaRPr lang="en-US" sz="1200" dirty="0"/>
+          </a:p>
+        </p:txBody>
+      </p:sp>
+      <p:sp>
+        <p:nvSpPr>
+          <p:cNvPr id="47" name="Rounded Rectangle 46"/>
+          <p:cNvSpPr/>
+          <p:nvPr/>
+        </p:nvSpPr>
+        <p:spPr>
+          <a:xfrm>
+            <a:off x="5294680" y="3243769"/>
+            <a:ext cx="971210" cy="591475"/>
+          </a:xfrm>
+          <a:prstGeom prst="roundRect">
+            <a:avLst/>
+          </a:prstGeom>
+          <a:solidFill>
+            <a:schemeClr val="bg1">
+              <a:lumMod val="75000"/>
+            </a:schemeClr>
+          </a:solidFill>
+        </p:spPr>
+        <p:style>
+          <a:lnRef idx="1">
+            <a:schemeClr val="accent1"/>
+          </a:lnRef>
+          <a:fillRef idx="3">
+            <a:schemeClr val="accent1"/>
+          </a:fillRef>
+          <a:effectRef idx="2">
+            <a:schemeClr val="accent1"/>
+          </a:effectRef>
+          <a:fontRef idx="minor">
+            <a:schemeClr val="lt1"/>
+          </a:fontRef>
+        </p:style>
+        <p:txBody>
+          <a:bodyPr rtlCol="0" anchor="ctr"/>
+          <a:lstStyle/>
+          <a:p>
+            <a:pPr algn="ctr"/>
+            <a:r>
               <a:rPr lang="en-US" sz="2000" b="1" dirty="0" smtClean="0">
                 <a:solidFill>
                   <a:schemeClr val="tx1"/>
                 </a:solidFill>
               </a:rPr>
-              <a:t>NIC Driver</a:t>
+              <a:t>User Agent</a:t>
             </a:r>
             <a:endParaRPr lang="en-US" sz="2000" b="1" dirty="0">
               <a:solidFill>
@@ -4740,108 +4850,6 @@
       </p:sp>
       <p:sp>
         <p:nvSpPr>
-          <p:cNvPr id="42" name="Rounded Rectangle 41"/>
-          <p:cNvSpPr/>
-          <p:nvPr/>
-        </p:nvSpPr>
-        <p:spPr>
-          <a:xfrm>
-            <a:off x="6661502" y="3229316"/>
-            <a:ext cx="2104288" cy="605928"/>
-          </a:xfrm>
-          <a:prstGeom prst="roundRect">
-            <a:avLst/>
-          </a:prstGeom>
-          <a:solidFill>
-            <a:schemeClr val="accent4">
-              <a:lumMod val="75000"/>
-            </a:schemeClr>
-          </a:solidFill>
-        </p:spPr>
-        <p:style>
-          <a:lnRef idx="1">
-            <a:schemeClr val="accent1"/>
-          </a:lnRef>
-          <a:fillRef idx="3">
-            <a:schemeClr val="accent1"/>
-          </a:fillRef>
-          <a:effectRef idx="2">
-            <a:schemeClr val="accent1"/>
-          </a:effectRef>
-          <a:fontRef idx="minor">
-            <a:schemeClr val="lt1"/>
-          </a:fontRef>
-        </p:style>
-        <p:txBody>
-          <a:bodyPr rtlCol="0" anchor="ctr"/>
-          <a:lstStyle/>
-          <a:p>
-            <a:pPr algn="ctr"/>
-            <a:r>
-              <a:rPr lang="en-US" sz="3600" dirty="0" smtClean="0"/>
-              <a:t>NF 2</a:t>
-            </a:r>
-            <a:endParaRPr lang="en-US" sz="1200" dirty="0"/>
-          </a:p>
-        </p:txBody>
-      </p:sp>
-      <p:sp>
-        <p:nvSpPr>
-          <p:cNvPr id="47" name="Rounded Rectangle 46"/>
-          <p:cNvSpPr/>
-          <p:nvPr/>
-        </p:nvSpPr>
-        <p:spPr>
-          <a:xfrm>
-            <a:off x="5294680" y="3243769"/>
-            <a:ext cx="971210" cy="591475"/>
-          </a:xfrm>
-          <a:prstGeom prst="roundRect">
-            <a:avLst/>
-          </a:prstGeom>
-          <a:solidFill>
-            <a:schemeClr val="bg1">
-              <a:lumMod val="75000"/>
-            </a:schemeClr>
-          </a:solidFill>
-        </p:spPr>
-        <p:style>
-          <a:lnRef idx="1">
-            <a:schemeClr val="accent1"/>
-          </a:lnRef>
-          <a:fillRef idx="3">
-            <a:schemeClr val="accent1"/>
-          </a:fillRef>
-          <a:effectRef idx="2">
-            <a:schemeClr val="accent1"/>
-          </a:effectRef>
-          <a:fontRef idx="minor">
-            <a:schemeClr val="lt1"/>
-          </a:fontRef>
-        </p:style>
-        <p:txBody>
-          <a:bodyPr rtlCol="0" anchor="ctr"/>
-          <a:lstStyle/>
-          <a:p>
-            <a:pPr algn="ctr"/>
-            <a:r>
-              <a:rPr lang="en-US" sz="2000" dirty="0" smtClean="0">
-                <a:solidFill>
-                  <a:schemeClr val="tx1"/>
-                </a:solidFill>
-              </a:rPr>
-              <a:t>User Agent</a:t>
-            </a:r>
-            <a:endParaRPr lang="en-US" sz="2000" dirty="0">
-              <a:solidFill>
-                <a:schemeClr val="tx1"/>
-              </a:solidFill>
-            </a:endParaRPr>
-          </a:p>
-        </p:txBody>
-      </p:sp>
-      <p:sp>
-        <p:nvSpPr>
           <p:cNvPr id="48" name="Rounded Rectangle 47"/>
           <p:cNvSpPr/>
           <p:nvPr/>
@@ -4880,10 +4888,10 @@
           <a:p>
             <a:pPr algn="ctr"/>
             <a:r>
-              <a:rPr lang="en-US" sz="2000" dirty="0" smtClean="0"/>
+              <a:rPr lang="en-US" sz="2400" dirty="0" smtClean="0"/>
               <a:t>Kernel Agent</a:t>
             </a:r>
-            <a:endParaRPr lang="en-US" sz="2000" dirty="0"/>
+            <a:endParaRPr lang="en-US" sz="2400" dirty="0"/>
           </a:p>
         </p:txBody>
       </p:sp>
@@ -5261,8 +5269,8 @@
         </p:nvSpPr>
         <p:spPr>
           <a:xfrm>
-            <a:off x="-12973" y="2859984"/>
-            <a:ext cx="958892" cy="646331"/>
+            <a:off x="-48250" y="2859984"/>
+            <a:ext cx="1091311" cy="707886"/>
           </a:xfrm>
           <a:prstGeom prst="rect">
             <a:avLst/>
@@ -5276,24 +5284,24 @@
           <a:lstStyle/>
           <a:p>
             <a:r>
-              <a:rPr lang="en-US" b="1" dirty="0" smtClean="0">
-                <a:latin typeface="Apple Chancery"/>
-                <a:cs typeface="Apple Chancery"/>
+              <a:rPr lang="en-US" sz="2000" dirty="0" smtClean="0">
+                <a:latin typeface="Avenir Black"/>
+                <a:cs typeface="Avenir Black"/>
               </a:rPr>
               <a:t>Control </a:t>
             </a:r>
           </a:p>
           <a:p>
             <a:r>
-              <a:rPr lang="en-US" b="1" dirty="0" smtClean="0">
-                <a:latin typeface="Apple Chancery"/>
-                <a:cs typeface="Apple Chancery"/>
+              <a:rPr lang="en-US" sz="2000" dirty="0" smtClean="0">
+                <a:latin typeface="Avenir Black"/>
+                <a:cs typeface="Avenir Black"/>
               </a:rPr>
               <a:t>Plane</a:t>
             </a:r>
-            <a:endParaRPr lang="en-US" b="1" dirty="0">
-              <a:latin typeface="Apple Chancery"/>
-              <a:cs typeface="Apple Chancery"/>
+            <a:endParaRPr lang="en-US" sz="2000" dirty="0">
+              <a:latin typeface="Avenir Black"/>
+              <a:cs typeface="Avenir Black"/>
             </a:endParaRPr>
           </a:p>
         </p:txBody>
@@ -5306,8 +5314,8 @@
         </p:nvSpPr>
         <p:spPr>
           <a:xfrm>
-            <a:off x="14015" y="4563266"/>
-            <a:ext cx="795150" cy="646331"/>
+            <a:off x="-21262" y="4563266"/>
+            <a:ext cx="845091" cy="707886"/>
           </a:xfrm>
           <a:prstGeom prst="rect">
             <a:avLst/>
@@ -5321,28 +5329,28 @@
           <a:lstStyle/>
           <a:p>
             <a:r>
-              <a:rPr lang="en-US" b="1" dirty="0" smtClean="0">
-                <a:latin typeface="Apple Chancery"/>
-                <a:cs typeface="Apple Chancery"/>
+              <a:rPr lang="en-US" sz="2000" dirty="0" smtClean="0">
+                <a:latin typeface="Avenir Black"/>
+                <a:cs typeface="Avenir Black"/>
               </a:rPr>
               <a:t>Data</a:t>
             </a:r>
-            <a:endParaRPr lang="en-US" b="1" dirty="0">
-              <a:latin typeface="Apple Chancery"/>
-              <a:cs typeface="Apple Chancery"/>
+            <a:endParaRPr lang="en-US" sz="2000" dirty="0">
+              <a:latin typeface="Avenir Black"/>
+              <a:cs typeface="Avenir Black"/>
             </a:endParaRPr>
           </a:p>
           <a:p>
             <a:r>
-              <a:rPr lang="en-US" b="1" dirty="0" smtClean="0">
-                <a:latin typeface="Apple Chancery"/>
-                <a:cs typeface="Apple Chancery"/>
+              <a:rPr lang="en-US" sz="2000" dirty="0" smtClean="0">
+                <a:latin typeface="Avenir Black"/>
+                <a:cs typeface="Avenir Black"/>
               </a:rPr>
               <a:t>Plane</a:t>
             </a:r>
-            <a:endParaRPr lang="en-US" b="1" dirty="0">
-              <a:latin typeface="Apple Chancery"/>
-              <a:cs typeface="Apple Chancery"/>
+            <a:endParaRPr lang="en-US" sz="2000" dirty="0">
+              <a:latin typeface="Avenir Black"/>
+              <a:cs typeface="Avenir Black"/>
             </a:endParaRPr>
           </a:p>
         </p:txBody>
@@ -5355,7 +5363,7 @@
         </p:nvCxnSpPr>
         <p:spPr>
           <a:xfrm>
-            <a:off x="-15385" y="2627389"/>
+            <a:off x="-15385" y="2486291"/>
             <a:ext cx="9159385" cy="0"/>
           </a:xfrm>
           <a:prstGeom prst="line">
@@ -5391,8 +5399,8 @@
         </p:nvSpPr>
         <p:spPr>
           <a:xfrm>
-            <a:off x="-15385" y="1514248"/>
-            <a:ext cx="1560420" cy="646331"/>
+            <a:off x="-50662" y="1514248"/>
+            <a:ext cx="1780206" cy="707886"/>
           </a:xfrm>
           <a:prstGeom prst="rect">
             <a:avLst/>
@@ -5406,24 +5414,24 @@
           <a:lstStyle/>
           <a:p>
             <a:r>
-              <a:rPr lang="en-US" b="1" dirty="0" smtClean="0">
-                <a:latin typeface="Apple Chancery"/>
-                <a:cs typeface="Apple Chancery"/>
+              <a:rPr lang="en-US" sz="2000" dirty="0" smtClean="0">
+                <a:latin typeface="Avenir Black"/>
+                <a:cs typeface="Avenir Black"/>
               </a:rPr>
               <a:t>Management </a:t>
             </a:r>
           </a:p>
           <a:p>
             <a:r>
-              <a:rPr lang="en-US" b="1" dirty="0" smtClean="0">
-                <a:latin typeface="Apple Chancery"/>
-                <a:cs typeface="Apple Chancery"/>
+              <a:rPr lang="en-US" sz="2000" dirty="0" smtClean="0">
+                <a:latin typeface="Avenir Black"/>
+                <a:cs typeface="Avenir Black"/>
               </a:rPr>
               <a:t>Plane</a:t>
             </a:r>
-            <a:endParaRPr lang="en-US" b="1" dirty="0">
-              <a:latin typeface="Apple Chancery"/>
-              <a:cs typeface="Apple Chancery"/>
+            <a:endParaRPr lang="en-US" sz="2000" dirty="0">
+              <a:latin typeface="Avenir Black"/>
+              <a:cs typeface="Avenir Black"/>
             </a:endParaRPr>
           </a:p>
         </p:txBody>
@@ -5573,14 +5581,14 @@
           <a:p>
             <a:pPr algn="ctr"/>
             <a:r>
-              <a:rPr lang="en-US" dirty="0" smtClean="0">
+              <a:rPr lang="en-US" sz="2400" dirty="0" smtClean="0">
                 <a:solidFill>
                   <a:schemeClr val="tx1"/>
                 </a:solidFill>
               </a:rPr>
               <a:t>A</a:t>
             </a:r>
-            <a:endParaRPr lang="en-US" dirty="0">
+            <a:endParaRPr lang="en-US" sz="2400" dirty="0">
               <a:solidFill>
                 <a:schemeClr val="tx1"/>
               </a:solidFill>
@@ -5631,14 +5639,14 @@
           <a:p>
             <a:pPr algn="ctr"/>
             <a:r>
-              <a:rPr lang="en-US" dirty="0" smtClean="0">
+              <a:rPr lang="en-US" sz="2400" dirty="0" smtClean="0">
                 <a:solidFill>
                   <a:srgbClr val="000000"/>
                 </a:solidFill>
               </a:rPr>
               <a:t>B</a:t>
             </a:r>
-            <a:endParaRPr lang="en-US" dirty="0">
+            <a:endParaRPr lang="en-US" sz="2400" dirty="0">
               <a:solidFill>
                 <a:srgbClr val="000000"/>
               </a:solidFill>
@@ -5689,14 +5697,14 @@
           <a:p>
             <a:pPr algn="ctr"/>
             <a:r>
-              <a:rPr lang="en-US" dirty="0" smtClean="0">
+              <a:rPr lang="en-US" sz="2400" dirty="0" smtClean="0">
                 <a:solidFill>
                   <a:srgbClr val="000000"/>
                 </a:solidFill>
               </a:rPr>
               <a:t>C</a:t>
             </a:r>
-            <a:endParaRPr lang="en-US" dirty="0">
+            <a:endParaRPr lang="en-US" sz="2400" dirty="0">
               <a:solidFill>
                 <a:srgbClr val="000000"/>
               </a:solidFill>
@@ -5747,14 +5755,14 @@
           <a:p>
             <a:pPr algn="ctr"/>
             <a:r>
-              <a:rPr lang="en-US" dirty="0" smtClean="0">
+              <a:rPr lang="en-US" sz="2400" dirty="0" smtClean="0">
                 <a:solidFill>
                   <a:srgbClr val="000000"/>
                 </a:solidFill>
               </a:rPr>
               <a:t>D</a:t>
             </a:r>
-            <a:endParaRPr lang="en-US" dirty="0">
+            <a:endParaRPr lang="en-US" sz="2400" dirty="0">
               <a:solidFill>
                 <a:srgbClr val="000000"/>
               </a:solidFill>
@@ -6262,7 +6270,7 @@
           <a:lstStyle/>
           <a:p>
             <a:pPr algn="ctr"/>
-            <a:endParaRPr lang="en-US"/>
+            <a:endParaRPr lang="en-US" sz="2400"/>
           </a:p>
         </p:txBody>
       </p:sp>
@@ -6305,7 +6313,7 @@
           <a:lstStyle/>
           <a:p>
             <a:pPr algn="ctr"/>
-            <a:endParaRPr lang="en-US"/>
+            <a:endParaRPr lang="en-US" sz="2400"/>
           </a:p>
         </p:txBody>
       </p:sp>
@@ -6348,7 +6356,7 @@
           <a:lstStyle/>
           <a:p>
             <a:pPr algn="ctr"/>
-            <a:endParaRPr lang="en-US"/>
+            <a:endParaRPr lang="en-US" sz="2400"/>
           </a:p>
         </p:txBody>
       </p:sp>
@@ -6361,7 +6369,7 @@
         <p:spPr>
           <a:xfrm>
             <a:off x="2580375" y="3173970"/>
-            <a:ext cx="552217" cy="369332"/>
+            <a:ext cx="674734" cy="461665"/>
           </a:xfrm>
           <a:prstGeom prst="rect">
             <a:avLst/>
@@ -6375,10 +6383,10 @@
           <a:lstStyle/>
           <a:p>
             <a:r>
-              <a:rPr lang="en-US" dirty="0" smtClean="0"/>
+              <a:rPr lang="en-US" sz="2400" dirty="0" smtClean="0"/>
               <a:t>SYN</a:t>
             </a:r>
-            <a:endParaRPr lang="en-US" dirty="0"/>
+            <a:endParaRPr lang="en-US" sz="2400" dirty="0"/>
           </a:p>
         </p:txBody>
       </p:sp>
@@ -6391,7 +6399,7 @@
         <p:spPr>
           <a:xfrm>
             <a:off x="4014112" y="3173969"/>
-            <a:ext cx="928785" cy="369332"/>
+            <a:ext cx="1176825" cy="461665"/>
           </a:xfrm>
           <a:prstGeom prst="rect">
             <a:avLst/>
@@ -6405,10 +6413,10 @@
           <a:lstStyle/>
           <a:p>
             <a:r>
-              <a:rPr lang="en-US" dirty="0" smtClean="0"/>
+              <a:rPr lang="en-US" sz="2400" dirty="0" smtClean="0"/>
               <a:t>SYNACK</a:t>
             </a:r>
-            <a:endParaRPr lang="en-US" dirty="0"/>
+            <a:endParaRPr lang="en-US" sz="2400" dirty="0"/>
           </a:p>
         </p:txBody>
       </p:sp>
@@ -6421,7 +6429,7 @@
         <p:spPr>
           <a:xfrm>
             <a:off x="5817855" y="3173969"/>
-            <a:ext cx="561234" cy="369332"/>
+            <a:ext cx="686756" cy="461665"/>
           </a:xfrm>
           <a:prstGeom prst="rect">
             <a:avLst/>
@@ -6435,10 +6443,10 @@
           <a:lstStyle/>
           <a:p>
             <a:r>
-              <a:rPr lang="en-US" dirty="0" smtClean="0"/>
+              <a:rPr lang="en-US" sz="2400" dirty="0" smtClean="0"/>
               <a:t>ACK</a:t>
             </a:r>
-            <a:endParaRPr lang="en-US" dirty="0"/>
+            <a:endParaRPr lang="en-US" sz="2400" dirty="0"/>
           </a:p>
         </p:txBody>
       </p:sp>
@@ -6548,8 +6556,8 @@
         </p:nvCxnSpPr>
         <p:spPr>
           <a:xfrm>
-            <a:off x="3112851" y="1265285"/>
-            <a:ext cx="0" cy="630410"/>
+            <a:off x="3112851" y="1382865"/>
+            <a:ext cx="0" cy="512831"/>
           </a:xfrm>
           <a:prstGeom prst="straightConnector1">
             <a:avLst/>
@@ -6581,8 +6589,8 @@
         </p:nvSpPr>
         <p:spPr>
           <a:xfrm>
-            <a:off x="3046953" y="966520"/>
-            <a:ext cx="822774" cy="523220"/>
+            <a:off x="2899987" y="805755"/>
+            <a:ext cx="1222610" cy="646331"/>
           </a:xfrm>
           <a:prstGeom prst="rect">
             <a:avLst/>
@@ -6590,22 +6598,22 @@
           <a:noFill/>
         </p:spPr>
         <p:txBody>
-          <a:bodyPr wrap="none" rtlCol="0">
+          <a:bodyPr wrap="square" rtlCol="0">
             <a:spAutoFit/>
           </a:bodyPr>
           <a:lstStyle/>
           <a:p>
             <a:r>
-              <a:rPr lang="en-US" sz="1400" dirty="0" smtClean="0"/>
+              <a:rPr lang="en-US" dirty="0" smtClean="0"/>
               <a:t>Install </a:t>
             </a:r>
           </a:p>
           <a:p>
             <a:r>
-              <a:rPr lang="en-US" sz="1400" dirty="0" smtClean="0"/>
+              <a:rPr lang="en-US" dirty="0" smtClean="0"/>
               <a:t>mapping</a:t>
             </a:r>
-            <a:endParaRPr lang="en-US" sz="1400" dirty="0"/>
+            <a:endParaRPr lang="en-US" dirty="0"/>
           </a:p>
         </p:txBody>
       </p:sp>
@@ -6715,8 +6723,8 @@
         </p:nvCxnSpPr>
         <p:spPr>
           <a:xfrm>
-            <a:off x="5513876" y="1321926"/>
-            <a:ext cx="0" cy="630410"/>
+            <a:off x="5513876" y="1440328"/>
+            <a:ext cx="0" cy="512008"/>
           </a:xfrm>
           <a:prstGeom prst="straightConnector1">
             <a:avLst/>
@@ -6748,44 +6756,8 @@
         </p:nvSpPr>
         <p:spPr>
           <a:xfrm>
-            <a:off x="5465157" y="1029538"/>
-            <a:ext cx="822774" cy="523220"/>
-          </a:xfrm>
-          <a:prstGeom prst="rect">
-            <a:avLst/>
-          </a:prstGeom>
-          <a:noFill/>
-        </p:spPr>
-        <p:txBody>
-          <a:bodyPr wrap="none" rtlCol="0">
-            <a:spAutoFit/>
-          </a:bodyPr>
-          <a:lstStyle/>
-          <a:p>
-            <a:r>
-              <a:rPr lang="en-US" sz="1400" dirty="0" smtClean="0"/>
-              <a:t>Install </a:t>
-            </a:r>
-          </a:p>
-          <a:p>
-            <a:r>
-              <a:rPr lang="en-US" sz="1400" dirty="0" smtClean="0"/>
-              <a:t>mapping</a:t>
-            </a:r>
-            <a:endParaRPr lang="en-US" sz="1400" dirty="0"/>
-          </a:p>
-        </p:txBody>
-      </p:sp>
-      <p:sp>
-        <p:nvSpPr>
-          <p:cNvPr id="57" name="TextBox 56"/>
-          <p:cNvSpPr txBox="1"/>
-          <p:nvPr/>
-        </p:nvSpPr>
-        <p:spPr>
-          <a:xfrm>
-            <a:off x="2638258" y="528917"/>
-            <a:ext cx="2382425" cy="523220"/>
+            <a:off x="5365227" y="845257"/>
+            <a:ext cx="1222610" cy="646331"/>
           </a:xfrm>
           <a:prstGeom prst="rect">
             <a:avLst/>
@@ -6799,93 +6771,29 @@
           <a:lstStyle/>
           <a:p>
             <a:r>
-              <a:rPr lang="en-US" sz="1400" dirty="0" smtClean="0"/>
-              <a:t>{(A, B, P</a:t>
-            </a:r>
-            <a:r>
-              <a:rPr lang="en-US" sz="1400" baseline="-25000" dirty="0" smtClean="0"/>
-              <a:t>A</a:t>
-            </a:r>
-            <a:r>
-              <a:rPr lang="en-US" sz="1400" dirty="0" smtClean="0"/>
-              <a:t>, P</a:t>
-            </a:r>
-            <a:r>
-              <a:rPr lang="en-US" sz="1400" baseline="-25000" dirty="0" smtClean="0"/>
-              <a:t>B</a:t>
-            </a:r>
-            <a:r>
-              <a:rPr lang="en-US" sz="1400" dirty="0" smtClean="0"/>
-              <a:t>)-&gt;(B, C, P</a:t>
-            </a:r>
-            <a:r>
-              <a:rPr lang="en-US" sz="1400" baseline="-25000" dirty="0" smtClean="0"/>
-              <a:t>B</a:t>
-            </a:r>
-            <a:r>
-              <a:rPr lang="en-US" sz="1400" dirty="0" smtClean="0"/>
-              <a:t>’, P</a:t>
-            </a:r>
-            <a:r>
-              <a:rPr lang="en-US" sz="1400" baseline="-25000" dirty="0" smtClean="0"/>
-              <a:t>C</a:t>
-            </a:r>
-            <a:r>
-              <a:rPr lang="en-US" sz="1400" dirty="0" smtClean="0"/>
-              <a:t>)}</a:t>
-            </a:r>
-          </a:p>
-          <a:p>
-            <a:r>
-              <a:rPr lang="en-US" sz="1400" dirty="0" smtClean="0"/>
-              <a:t>{(C, B, P</a:t>
-            </a:r>
-            <a:r>
-              <a:rPr lang="en-US" sz="1400" baseline="-25000" dirty="0" smtClean="0"/>
-              <a:t>C</a:t>
-            </a:r>
-            <a:r>
-              <a:rPr lang="en-US" sz="1400" dirty="0" smtClean="0"/>
-              <a:t>, P</a:t>
-            </a:r>
-            <a:r>
-              <a:rPr lang="en-US" sz="1400" baseline="-25000" dirty="0" smtClean="0"/>
-              <a:t>B</a:t>
-            </a:r>
-            <a:r>
-              <a:rPr lang="en-US" sz="1400" dirty="0" smtClean="0"/>
-              <a:t>’)-&gt;(B, A, P</a:t>
-            </a:r>
-            <a:r>
-              <a:rPr lang="en-US" sz="1400" baseline="-25000" dirty="0" smtClean="0"/>
-              <a:t>B, </a:t>
-            </a:r>
-            <a:r>
-              <a:rPr lang="en-US" sz="1400" dirty="0"/>
-              <a:t>P</a:t>
-            </a:r>
-            <a:r>
-              <a:rPr lang="en-US" sz="1400" baseline="-25000" dirty="0"/>
-              <a:t>A</a:t>
-            </a:r>
-            <a:r>
-              <a:rPr lang="en-US" sz="1400" dirty="0" smtClean="0"/>
-              <a:t>)}</a:t>
-            </a:r>
-            <a:endParaRPr lang="en-US" sz="1400" dirty="0"/>
-          </a:p>
-        </p:txBody>
-      </p:sp>
-      <p:sp>
-        <p:nvSpPr>
-          <p:cNvPr id="58" name="TextBox 57"/>
+              <a:rPr lang="en-US" dirty="0" smtClean="0"/>
+              <a:t>Install </a:t>
+            </a:r>
+          </a:p>
+          <a:p>
+            <a:r>
+              <a:rPr lang="en-US" dirty="0" smtClean="0"/>
+              <a:t>mapping</a:t>
+            </a:r>
+            <a:endParaRPr lang="en-US" dirty="0"/>
+          </a:p>
+        </p:txBody>
+      </p:sp>
+      <p:sp>
+        <p:nvSpPr>
+          <p:cNvPr id="57" name="TextBox 56"/>
           <p:cNvSpPr txBox="1"/>
           <p:nvPr/>
         </p:nvSpPr>
         <p:spPr>
           <a:xfrm>
-            <a:off x="5244762" y="596599"/>
-            <a:ext cx="2319956" cy="523220"/>
+            <a:off x="1887479" y="230702"/>
+            <a:ext cx="2898026" cy="646331"/>
           </a:xfrm>
           <a:prstGeom prst="rect">
             <a:avLst/>
@@ -6899,104 +6807,204 @@
           <a:lstStyle/>
           <a:p>
             <a:r>
-              <a:rPr lang="en-US" sz="1400" dirty="0" smtClean="0"/>
+              <a:rPr lang="en-US" dirty="0" smtClean="0"/>
+              <a:t>{(A, B, P</a:t>
+            </a:r>
+            <a:r>
+              <a:rPr lang="en-US" baseline="-25000" dirty="0" smtClean="0"/>
+              <a:t>A</a:t>
+            </a:r>
+            <a:r>
+              <a:rPr lang="en-US" dirty="0" smtClean="0"/>
+              <a:t>, P</a:t>
+            </a:r>
+            <a:r>
+              <a:rPr lang="en-US" baseline="-25000" dirty="0" smtClean="0"/>
+              <a:t>B</a:t>
+            </a:r>
+            <a:r>
+              <a:rPr lang="en-US" dirty="0" smtClean="0"/>
+              <a:t>)-&gt;(B, C, P</a:t>
+            </a:r>
+            <a:r>
+              <a:rPr lang="en-US" baseline="-25000" dirty="0" smtClean="0"/>
+              <a:t>B</a:t>
+            </a:r>
+            <a:r>
+              <a:rPr lang="en-US" dirty="0" smtClean="0"/>
+              <a:t>’, P</a:t>
+            </a:r>
+            <a:r>
+              <a:rPr lang="en-US" baseline="-25000" dirty="0" smtClean="0"/>
+              <a:t>C</a:t>
+            </a:r>
+            <a:r>
+              <a:rPr lang="en-US" dirty="0" smtClean="0"/>
+              <a:t>)}</a:t>
+            </a:r>
+          </a:p>
+          <a:p>
+            <a:r>
+              <a:rPr lang="en-US" dirty="0" smtClean="0"/>
+              <a:t>{(C, B, P</a:t>
+            </a:r>
+            <a:r>
+              <a:rPr lang="en-US" baseline="-25000" dirty="0" smtClean="0"/>
+              <a:t>C</a:t>
+            </a:r>
+            <a:r>
+              <a:rPr lang="en-US" dirty="0" smtClean="0"/>
+              <a:t>, P</a:t>
+            </a:r>
+            <a:r>
+              <a:rPr lang="en-US" baseline="-25000" dirty="0" smtClean="0"/>
+              <a:t>B</a:t>
+            </a:r>
+            <a:r>
+              <a:rPr lang="en-US" dirty="0" smtClean="0"/>
+              <a:t>’)-&gt;(B, A, P</a:t>
+            </a:r>
+            <a:r>
+              <a:rPr lang="en-US" baseline="-25000" dirty="0" smtClean="0"/>
+              <a:t>B, </a:t>
+            </a:r>
+            <a:r>
+              <a:rPr lang="en-US" dirty="0"/>
+              <a:t>P</a:t>
+            </a:r>
+            <a:r>
+              <a:rPr lang="en-US" baseline="-25000" dirty="0"/>
+              <a:t>A</a:t>
+            </a:r>
+            <a:r>
+              <a:rPr lang="en-US" dirty="0" smtClean="0"/>
+              <a:t>)}</a:t>
+            </a:r>
+            <a:endParaRPr lang="en-US" dirty="0"/>
+          </a:p>
+        </p:txBody>
+      </p:sp>
+      <p:sp>
+        <p:nvSpPr>
+          <p:cNvPr id="58" name="TextBox 57"/>
+          <p:cNvSpPr txBox="1"/>
+          <p:nvPr/>
+        </p:nvSpPr>
+        <p:spPr>
+          <a:xfrm>
+            <a:off x="5040491" y="230702"/>
+            <a:ext cx="3157199" cy="646331"/>
+          </a:xfrm>
+          <a:prstGeom prst="rect">
+            <a:avLst/>
+          </a:prstGeom>
+          <a:noFill/>
+        </p:spPr>
+        <p:txBody>
+          <a:bodyPr wrap="square" rtlCol="0">
+            <a:spAutoFit/>
+          </a:bodyPr>
+          <a:lstStyle/>
+          <a:p>
+            <a:r>
+              <a:rPr lang="en-US" dirty="0" smtClean="0"/>
               <a:t>{(B, </a:t>
             </a:r>
             <a:r>
-              <a:rPr lang="en-US" sz="1400" dirty="0"/>
+              <a:rPr lang="en-US" dirty="0"/>
               <a:t>C</a:t>
             </a:r>
             <a:r>
-              <a:rPr lang="en-US" sz="1400" dirty="0" smtClean="0"/>
+              <a:rPr lang="en-US" dirty="0" smtClean="0"/>
               <a:t>, P</a:t>
             </a:r>
             <a:r>
-              <a:rPr lang="en-US" sz="1400" baseline="-25000" dirty="0" smtClean="0"/>
+              <a:rPr lang="en-US" baseline="-25000" dirty="0" smtClean="0"/>
               <a:t>B</a:t>
             </a:r>
             <a:r>
-              <a:rPr lang="en-US" sz="1400" dirty="0" smtClean="0"/>
+              <a:rPr lang="en-US" dirty="0" smtClean="0"/>
               <a:t>’, P</a:t>
             </a:r>
             <a:r>
-              <a:rPr lang="en-US" sz="1400" baseline="-25000" dirty="0" smtClean="0"/>
+              <a:rPr lang="en-US" baseline="-25000" dirty="0" smtClean="0"/>
               <a:t>C</a:t>
             </a:r>
             <a:r>
-              <a:rPr lang="en-US" sz="1400" dirty="0" smtClean="0"/>
+              <a:rPr lang="en-US" dirty="0" smtClean="0"/>
               <a:t>)-&gt;(C, </a:t>
             </a:r>
             <a:r>
-              <a:rPr lang="en-US" sz="1400" dirty="0"/>
+              <a:rPr lang="en-US" dirty="0"/>
               <a:t>D</a:t>
             </a:r>
             <a:r>
-              <a:rPr lang="en-US" sz="1400" dirty="0" smtClean="0"/>
+              <a:rPr lang="en-US" dirty="0" smtClean="0"/>
               <a:t>, P</a:t>
             </a:r>
             <a:r>
-              <a:rPr lang="en-US" sz="1400" baseline="-25000" dirty="0" smtClean="0"/>
+              <a:rPr lang="en-US" baseline="-25000" dirty="0" smtClean="0"/>
               <a:t>C</a:t>
             </a:r>
             <a:r>
-              <a:rPr lang="en-US" sz="1400" dirty="0" smtClean="0"/>
+              <a:rPr lang="en-US" dirty="0" smtClean="0"/>
               <a:t>’, P</a:t>
             </a:r>
             <a:r>
-              <a:rPr lang="en-US" sz="1400" baseline="-25000" dirty="0" smtClean="0"/>
+              <a:rPr lang="en-US" baseline="-25000" dirty="0" smtClean="0"/>
               <a:t>D</a:t>
             </a:r>
             <a:r>
-              <a:rPr lang="en-US" sz="1400" dirty="0" smtClean="0"/>
+              <a:rPr lang="en-US" dirty="0" smtClean="0"/>
               <a:t>)}</a:t>
             </a:r>
           </a:p>
           <a:p>
             <a:r>
-              <a:rPr lang="en-US" sz="1400" dirty="0" smtClean="0"/>
+              <a:rPr lang="en-US" dirty="0" smtClean="0"/>
               <a:t>{(D,C, P</a:t>
             </a:r>
             <a:r>
-              <a:rPr lang="en-US" sz="1400" baseline="-25000" dirty="0" smtClean="0"/>
+              <a:rPr lang="en-US" baseline="-25000" dirty="0" smtClean="0"/>
               <a:t>D </a:t>
             </a:r>
             <a:r>
-              <a:rPr lang="en-US" sz="1400" dirty="0" smtClean="0"/>
+              <a:rPr lang="en-US" dirty="0" smtClean="0"/>
               <a:t>, P</a:t>
             </a:r>
             <a:r>
-              <a:rPr lang="en-US" sz="1400" baseline="-25000" dirty="0" smtClean="0"/>
+              <a:rPr lang="en-US" baseline="-25000" dirty="0" smtClean="0"/>
               <a:t>C</a:t>
             </a:r>
             <a:r>
-              <a:rPr lang="en-US" sz="1400" dirty="0" smtClean="0"/>
+              <a:rPr lang="en-US" dirty="0" smtClean="0"/>
               <a:t>’)-&gt;(C, B, P</a:t>
             </a:r>
             <a:r>
-              <a:rPr lang="en-US" sz="1400" baseline="-25000" dirty="0" smtClean="0"/>
+              <a:rPr lang="en-US" baseline="-25000" dirty="0" smtClean="0"/>
               <a:t>C</a:t>
             </a:r>
             <a:r>
-              <a:rPr lang="en-US" sz="1400" dirty="0" smtClean="0"/>
+              <a:rPr lang="en-US" dirty="0" smtClean="0"/>
               <a:t>, </a:t>
             </a:r>
             <a:r>
-              <a:rPr lang="en-US" sz="1400" dirty="0"/>
+              <a:rPr lang="en-US" dirty="0"/>
               <a:t>P</a:t>
             </a:r>
             <a:r>
-              <a:rPr lang="en-US" sz="1400" baseline="-25000" dirty="0"/>
+              <a:rPr lang="en-US" baseline="-25000" dirty="0"/>
               <a:t>B</a:t>
             </a:r>
             <a:r>
-              <a:rPr lang="en-US" sz="1400" dirty="0"/>
+              <a:rPr lang="en-US" dirty="0"/>
               <a:t>’</a:t>
             </a:r>
             <a:r>
-              <a:rPr lang="en-US" sz="1400" dirty="0" smtClean="0"/>
+              <a:rPr lang="en-US" dirty="0" smtClean="0"/>
               <a:t> )}</a:t>
             </a:r>
-            <a:endParaRPr lang="en-US" sz="1400" dirty="0"/>
+            <a:endParaRPr lang="en-US" dirty="0"/>
           </a:p>
         </p:txBody>
       </p:sp>
@@ -7238,8 +7246,8 @@
         </p:nvSpPr>
         <p:spPr>
           <a:xfrm>
-            <a:off x="2965728" y="623188"/>
-            <a:ext cx="2654530" cy="740760"/>
+            <a:off x="2965728" y="505605"/>
+            <a:ext cx="2654530" cy="858343"/>
           </a:xfrm>
           <a:prstGeom prst="rect">
             <a:avLst/>
@@ -7275,13 +7283,22 @@
           <a:p>
             <a:pPr algn="ctr"/>
             <a:r>
-              <a:rPr lang="en-US" dirty="0" smtClean="0"/>
+              <a:rPr lang="en-US" sz="2000" b="1" dirty="0" smtClean="0">
+                <a:solidFill>
+                  <a:schemeClr val="tx1"/>
+                </a:solidFill>
+              </a:rPr>
               <a:t>Controller</a:t>
             </a:r>
+            <a:endParaRPr lang="en-US" sz="2000" b="1" dirty="0" smtClean="0">
+              <a:solidFill>
+                <a:schemeClr val="tx1"/>
+              </a:solidFill>
+            </a:endParaRPr>
           </a:p>
           <a:p>
             <a:pPr algn="ctr"/>
-            <a:endParaRPr lang="en-US" dirty="0"/>
+            <a:endParaRPr lang="en-US" sz="2000" dirty="0"/>
           </a:p>
         </p:txBody>
       </p:sp>
@@ -7396,10 +7413,18 @@
           <a:p>
             <a:pPr algn="ctr"/>
             <a:r>
-              <a:rPr lang="en-US" sz="1400" dirty="0" smtClean="0"/>
+              <a:rPr lang="en-US" b="1" dirty="0" smtClean="0">
+                <a:solidFill>
+                  <a:srgbClr val="000000"/>
+                </a:solidFill>
+              </a:rPr>
               <a:t>3</a:t>
             </a:r>
-            <a:endParaRPr lang="en-US" sz="1400" dirty="0"/>
+            <a:endParaRPr lang="en-US" b="1" dirty="0">
+              <a:solidFill>
+                <a:srgbClr val="000000"/>
+              </a:solidFill>
+            </a:endParaRPr>
           </a:p>
         </p:txBody>
       </p:sp>
@@ -7438,10 +7463,18 @@
           <a:p>
             <a:pPr algn="ctr"/>
             <a:r>
-              <a:rPr lang="en-US" sz="1400" dirty="0" smtClean="0"/>
+              <a:rPr lang="en-US" b="1" dirty="0" smtClean="0">
+                <a:solidFill>
+                  <a:srgbClr val="000000"/>
+                </a:solidFill>
+              </a:rPr>
               <a:t>2</a:t>
             </a:r>
-            <a:endParaRPr lang="en-US" dirty="0"/>
+            <a:endParaRPr lang="en-US" sz="2400" b="1" dirty="0">
+              <a:solidFill>
+                <a:srgbClr val="000000"/>
+              </a:solidFill>
+            </a:endParaRPr>
           </a:p>
         </p:txBody>
       </p:sp>
@@ -7480,10 +7513,18 @@
           <a:p>
             <a:pPr algn="ctr"/>
             <a:r>
-              <a:rPr lang="en-US" sz="1400" dirty="0" smtClean="0"/>
+              <a:rPr lang="en-US" b="1" dirty="0" smtClean="0">
+                <a:solidFill>
+                  <a:srgbClr val="000000"/>
+                </a:solidFill>
+              </a:rPr>
               <a:t>1</a:t>
             </a:r>
-            <a:endParaRPr lang="en-US" sz="1400" dirty="0"/>
+            <a:endParaRPr lang="en-US" b="1" dirty="0">
+              <a:solidFill>
+                <a:srgbClr val="000000"/>
+              </a:solidFill>
+            </a:endParaRPr>
           </a:p>
         </p:txBody>
       </p:sp>
@@ -7567,8 +7608,8 @@
         </p:nvSpPr>
         <p:spPr>
           <a:xfrm>
-            <a:off x="1458100" y="1846759"/>
-            <a:ext cx="223948" cy="245274"/>
+            <a:off x="1411045" y="1842335"/>
+            <a:ext cx="271003" cy="249698"/>
           </a:xfrm>
           <a:prstGeom prst="rect">
             <a:avLst/>
@@ -7594,10 +7635,18 @@
           <a:p>
             <a:pPr algn="ctr"/>
             <a:r>
-              <a:rPr lang="en-US" sz="1400" dirty="0" smtClean="0"/>
+              <a:rPr lang="en-US" b="1" dirty="0" smtClean="0">
+                <a:solidFill>
+                  <a:srgbClr val="000000"/>
+                </a:solidFill>
+              </a:rPr>
               <a:t>…</a:t>
             </a:r>
-            <a:endParaRPr lang="en-US" sz="1400" dirty="0"/>
+            <a:endParaRPr lang="en-US" b="1" dirty="0">
+              <a:solidFill>
+                <a:srgbClr val="000000"/>
+              </a:solidFill>
+            </a:endParaRPr>
           </a:p>
         </p:txBody>
       </p:sp>
@@ -7679,7 +7728,7 @@
           <a:lstStyle/>
           <a:p>
             <a:pPr algn="ctr"/>
-            <a:endParaRPr lang="en-US" dirty="0"/>
+            <a:endParaRPr lang="en-US" b="1" dirty="0"/>
           </a:p>
         </p:txBody>
       </p:sp>
@@ -7772,8 +7821,8 @@
         </p:nvSpPr>
         <p:spPr>
           <a:xfrm>
-            <a:off x="1340491" y="3203797"/>
-            <a:ext cx="976011" cy="646331"/>
+            <a:off x="1281696" y="3203797"/>
+            <a:ext cx="1082598" cy="707886"/>
           </a:xfrm>
           <a:prstGeom prst="rect">
             <a:avLst/>
@@ -7787,16 +7836,16 @@
           <a:lstStyle/>
           <a:p>
             <a:r>
-              <a:rPr lang="en-US" dirty="0" smtClean="0"/>
+              <a:rPr lang="en-US" sz="2000" b="1" dirty="0" smtClean="0"/>
               <a:t>Old NF</a:t>
             </a:r>
           </a:p>
           <a:p>
             <a:r>
-              <a:rPr lang="en-US" dirty="0" smtClean="0"/>
+              <a:rPr lang="en-US" sz="2000" b="1" dirty="0" smtClean="0"/>
               <a:t>Instance</a:t>
             </a:r>
-            <a:endParaRPr lang="en-US" dirty="0"/>
+            <a:endParaRPr lang="en-US" sz="2000" b="1" dirty="0"/>
           </a:p>
         </p:txBody>
       </p:sp>
@@ -7809,7 +7858,7 @@
         <p:spPr>
           <a:xfrm>
             <a:off x="6562914" y="3284941"/>
-            <a:ext cx="976011" cy="646331"/>
+            <a:ext cx="1082598" cy="707886"/>
           </a:xfrm>
           <a:prstGeom prst="rect">
             <a:avLst/>
@@ -7823,16 +7872,16 @@
           <a:lstStyle/>
           <a:p>
             <a:r>
-              <a:rPr lang="en-US" dirty="0" smtClean="0"/>
+              <a:rPr lang="en-US" sz="2000" b="1" dirty="0" smtClean="0"/>
               <a:t>New NF</a:t>
             </a:r>
           </a:p>
           <a:p>
             <a:r>
-              <a:rPr lang="en-US" dirty="0" smtClean="0"/>
+              <a:rPr lang="en-US" sz="2000" b="1" dirty="0" smtClean="0"/>
               <a:t>Instance</a:t>
             </a:r>
-            <a:endParaRPr lang="en-US" dirty="0"/>
+            <a:endParaRPr lang="en-US" sz="2000" b="1" dirty="0"/>
           </a:p>
         </p:txBody>
       </p:sp>
@@ -7871,10 +7920,18 @@
           <a:p>
             <a:pPr algn="ctr"/>
             <a:r>
-              <a:rPr lang="en-US" sz="1400" dirty="0" smtClean="0"/>
+              <a:rPr lang="en-US" b="1" dirty="0" smtClean="0">
+                <a:solidFill>
+                  <a:srgbClr val="000000"/>
+                </a:solidFill>
+              </a:rPr>
               <a:t>2</a:t>
             </a:r>
-            <a:endParaRPr lang="en-US" dirty="0"/>
+            <a:endParaRPr lang="en-US" sz="2400" b="1" dirty="0">
+              <a:solidFill>
+                <a:srgbClr val="000000"/>
+              </a:solidFill>
+            </a:endParaRPr>
           </a:p>
         </p:txBody>
       </p:sp>
@@ -7913,10 +7970,18 @@
           <a:p>
             <a:pPr algn="ctr"/>
             <a:r>
-              <a:rPr lang="en-US" sz="1400" dirty="0" smtClean="0"/>
+              <a:rPr lang="en-US" b="1" dirty="0" smtClean="0">
+                <a:solidFill>
+                  <a:srgbClr val="000000"/>
+                </a:solidFill>
+              </a:rPr>
               <a:t>1</a:t>
             </a:r>
-            <a:endParaRPr lang="en-US" sz="1400" dirty="0"/>
+            <a:endParaRPr lang="en-US" b="1" dirty="0">
+              <a:solidFill>
+                <a:srgbClr val="000000"/>
+              </a:solidFill>
+            </a:endParaRPr>
           </a:p>
         </p:txBody>
       </p:sp>
@@ -7955,10 +8020,18 @@
           <a:p>
             <a:pPr algn="ctr"/>
             <a:r>
-              <a:rPr lang="en-US" sz="1400" dirty="0" smtClean="0"/>
+              <a:rPr lang="en-US" b="1" dirty="0" smtClean="0">
+                <a:solidFill>
+                  <a:srgbClr val="000000"/>
+                </a:solidFill>
+              </a:rPr>
               <a:t>2</a:t>
             </a:r>
-            <a:endParaRPr lang="en-US" dirty="0"/>
+            <a:endParaRPr lang="en-US" sz="2400" b="1" dirty="0">
+              <a:solidFill>
+                <a:srgbClr val="000000"/>
+              </a:solidFill>
+            </a:endParaRPr>
           </a:p>
         </p:txBody>
       </p:sp>
@@ -7997,10 +8070,18 @@
           <a:p>
             <a:pPr algn="ctr"/>
             <a:r>
-              <a:rPr lang="en-US" sz="1400" dirty="0" smtClean="0"/>
+              <a:rPr lang="en-US" b="1" dirty="0" smtClean="0">
+                <a:solidFill>
+                  <a:srgbClr val="000000"/>
+                </a:solidFill>
+              </a:rPr>
               <a:t>1</a:t>
             </a:r>
-            <a:endParaRPr lang="en-US" sz="1400" dirty="0"/>
+            <a:endParaRPr lang="en-US" b="1" dirty="0">
+              <a:solidFill>
+                <a:srgbClr val="000000"/>
+              </a:solidFill>
+            </a:endParaRPr>
           </a:p>
         </p:txBody>
       </p:sp>
@@ -8042,10 +8123,18 @@
           <a:p>
             <a:pPr algn="ctr"/>
             <a:r>
-              <a:rPr lang="en-US" sz="1400" dirty="0" smtClean="0"/>
+              <a:rPr lang="en-US" b="1" dirty="0" smtClean="0">
+                <a:solidFill>
+                  <a:srgbClr val="000000"/>
+                </a:solidFill>
+              </a:rPr>
               <a:t>2</a:t>
             </a:r>
-            <a:endParaRPr lang="en-US" sz="1400" dirty="0"/>
+            <a:endParaRPr lang="en-US" b="1" dirty="0">
+              <a:solidFill>
+                <a:srgbClr val="000000"/>
+              </a:solidFill>
+            </a:endParaRPr>
           </a:p>
         </p:txBody>
       </p:sp>
@@ -8087,10 +8176,18 @@
           <a:p>
             <a:pPr algn="ctr"/>
             <a:r>
-              <a:rPr lang="en-US" sz="1400" dirty="0"/>
+              <a:rPr lang="en-US" b="1" dirty="0">
+                <a:solidFill>
+                  <a:srgbClr val="000000"/>
+                </a:solidFill>
+              </a:rPr>
               <a:t>3</a:t>
             </a:r>
-            <a:endParaRPr lang="en-US" dirty="0"/>
+            <a:endParaRPr lang="en-US" sz="2400" b="1" dirty="0">
+              <a:solidFill>
+                <a:srgbClr val="000000"/>
+              </a:solidFill>
+            </a:endParaRPr>
           </a:p>
         </p:txBody>
       </p:sp>
@@ -8129,10 +8226,18 @@
           <a:p>
             <a:pPr algn="ctr"/>
             <a:r>
-              <a:rPr lang="en-US" sz="1400" dirty="0" smtClean="0"/>
+              <a:rPr lang="en-US" b="1" dirty="0" smtClean="0">
+                <a:solidFill>
+                  <a:srgbClr val="000000"/>
+                </a:solidFill>
+              </a:rPr>
               <a:t>1</a:t>
             </a:r>
-            <a:endParaRPr lang="en-US" sz="1400" dirty="0"/>
+            <a:endParaRPr lang="en-US" b="1" dirty="0">
+              <a:solidFill>
+                <a:srgbClr val="000000"/>
+              </a:solidFill>
+            </a:endParaRPr>
           </a:p>
         </p:txBody>
       </p:sp>
@@ -8144,8 +8249,8 @@
         </p:nvSpPr>
         <p:spPr>
           <a:xfrm>
-            <a:off x="6271221" y="1842335"/>
-            <a:ext cx="223948" cy="245274"/>
+            <a:off x="6185172" y="1854539"/>
+            <a:ext cx="309997" cy="233070"/>
           </a:xfrm>
           <a:prstGeom prst="rect">
             <a:avLst/>
@@ -8171,10 +8276,18 @@
           <a:p>
             <a:pPr algn="ctr"/>
             <a:r>
-              <a:rPr lang="en-US" sz="1400" dirty="0" smtClean="0"/>
+              <a:rPr lang="en-US" b="1" dirty="0" smtClean="0">
+                <a:solidFill>
+                  <a:srgbClr val="000000"/>
+                </a:solidFill>
+              </a:rPr>
               <a:t>…</a:t>
             </a:r>
-            <a:endParaRPr lang="en-US" sz="1400" dirty="0"/>
+            <a:endParaRPr lang="en-US" b="1" dirty="0">
+              <a:solidFill>
+                <a:srgbClr val="000000"/>
+              </a:solidFill>
+            </a:endParaRPr>
           </a:p>
         </p:txBody>
       </p:sp>
@@ -8221,10 +8334,10 @@
           <a:p>
             <a:pPr algn="ctr"/>
             <a:r>
-              <a:rPr lang="en-US" sz="1400" dirty="0" smtClean="0"/>
+              <a:rPr lang="en-US" b="1" dirty="0" smtClean="0"/>
               <a:t>S</a:t>
             </a:r>
-            <a:endParaRPr lang="en-US" sz="1400" dirty="0"/>
+            <a:endParaRPr lang="en-US" b="1" dirty="0"/>
           </a:p>
         </p:txBody>
       </p:sp>
@@ -8263,10 +8376,18 @@
           <a:p>
             <a:pPr algn="ctr"/>
             <a:r>
-              <a:rPr lang="en-US" sz="1400" dirty="0" smtClean="0"/>
+              <a:rPr lang="en-US" b="1" dirty="0" smtClean="0">
+                <a:solidFill>
+                  <a:srgbClr val="000000"/>
+                </a:solidFill>
+              </a:rPr>
               <a:t>2</a:t>
             </a:r>
-            <a:endParaRPr lang="en-US" dirty="0"/>
+            <a:endParaRPr lang="en-US" sz="2400" b="1" dirty="0">
+              <a:solidFill>
+                <a:srgbClr val="000000"/>
+              </a:solidFill>
+            </a:endParaRPr>
           </a:p>
         </p:txBody>
       </p:sp>
@@ -8305,10 +8426,18 @@
           <a:p>
             <a:pPr algn="ctr"/>
             <a:r>
-              <a:rPr lang="en-US" sz="1400" dirty="0" smtClean="0"/>
+              <a:rPr lang="en-US" b="1" dirty="0" smtClean="0">
+                <a:solidFill>
+                  <a:srgbClr val="000000"/>
+                </a:solidFill>
+              </a:rPr>
               <a:t>1</a:t>
             </a:r>
-            <a:endParaRPr lang="en-US" sz="1400" dirty="0"/>
+            <a:endParaRPr lang="en-US" b="1" dirty="0">
+              <a:solidFill>
+                <a:srgbClr val="000000"/>
+              </a:solidFill>
+            </a:endParaRPr>
           </a:p>
         </p:txBody>
       </p:sp>
@@ -8355,10 +8484,10 @@
           <a:p>
             <a:pPr algn="ctr"/>
             <a:r>
-              <a:rPr lang="en-US" sz="1400" dirty="0" smtClean="0"/>
+              <a:rPr lang="en-US" b="1" dirty="0" smtClean="0"/>
               <a:t>S</a:t>
             </a:r>
-            <a:endParaRPr lang="en-US" sz="1400" dirty="0"/>
+            <a:endParaRPr lang="en-US" b="1" dirty="0"/>
           </a:p>
         </p:txBody>
       </p:sp>
@@ -8397,10 +8526,18 @@
           <a:p>
             <a:pPr algn="ctr"/>
             <a:r>
-              <a:rPr lang="en-US" sz="1400" dirty="0" smtClean="0"/>
+              <a:rPr lang="en-US" b="1" dirty="0" smtClean="0">
+                <a:solidFill>
+                  <a:srgbClr val="000000"/>
+                </a:solidFill>
+              </a:rPr>
               <a:t>2</a:t>
             </a:r>
-            <a:endParaRPr lang="en-US" dirty="0"/>
+            <a:endParaRPr lang="en-US" sz="2400" b="1" dirty="0">
+              <a:solidFill>
+                <a:srgbClr val="000000"/>
+              </a:solidFill>
+            </a:endParaRPr>
           </a:p>
         </p:txBody>
       </p:sp>
@@ -8439,10 +8576,18 @@
           <a:p>
             <a:pPr algn="ctr"/>
             <a:r>
-              <a:rPr lang="en-US" sz="1400" dirty="0" smtClean="0"/>
+              <a:rPr lang="en-US" b="1" dirty="0" smtClean="0">
+                <a:solidFill>
+                  <a:srgbClr val="000000"/>
+                </a:solidFill>
+              </a:rPr>
               <a:t>1</a:t>
             </a:r>
-            <a:endParaRPr lang="en-US" sz="1400" dirty="0"/>
+            <a:endParaRPr lang="en-US" b="1" dirty="0">
+              <a:solidFill>
+                <a:srgbClr val="000000"/>
+              </a:solidFill>
+            </a:endParaRPr>
           </a:p>
         </p:txBody>
       </p:sp>
@@ -8481,10 +8626,18 @@
           <a:p>
             <a:pPr algn="ctr"/>
             <a:r>
-              <a:rPr lang="en-US" sz="1400" dirty="0" smtClean="0"/>
+              <a:rPr lang="en-US" b="1" dirty="0" smtClean="0">
+                <a:solidFill>
+                  <a:srgbClr val="000000"/>
+                </a:solidFill>
+              </a:rPr>
               <a:t>3</a:t>
             </a:r>
-            <a:endParaRPr lang="en-US" sz="1400" dirty="0"/>
+            <a:endParaRPr lang="en-US" b="1" dirty="0">
+              <a:solidFill>
+                <a:srgbClr val="000000"/>
+              </a:solidFill>
+            </a:endParaRPr>
           </a:p>
         </p:txBody>
       </p:sp>
@@ -8496,8 +8649,8 @@
         </p:nvSpPr>
         <p:spPr>
           <a:xfrm>
-            <a:off x="4293519" y="3169907"/>
-            <a:ext cx="223948" cy="245274"/>
+            <a:off x="4197921" y="3169907"/>
+            <a:ext cx="319546" cy="245274"/>
           </a:xfrm>
           <a:prstGeom prst="rect">
             <a:avLst/>
@@ -8523,10 +8676,18 @@
           <a:p>
             <a:pPr algn="ctr"/>
             <a:r>
-              <a:rPr lang="en-US" sz="1400" dirty="0" smtClean="0"/>
+              <a:rPr lang="en-US" b="1" dirty="0" smtClean="0">
+                <a:solidFill>
+                  <a:srgbClr val="000000"/>
+                </a:solidFill>
+              </a:rPr>
               <a:t>…</a:t>
             </a:r>
-            <a:endParaRPr lang="en-US" sz="1400" dirty="0"/>
+            <a:endParaRPr lang="en-US" b="1" dirty="0">
+              <a:solidFill>
+                <a:srgbClr val="000000"/>
+              </a:solidFill>
+            </a:endParaRPr>
           </a:p>
         </p:txBody>
       </p:sp>
@@ -8565,10 +8726,18 @@
           <a:p>
             <a:pPr algn="ctr"/>
             <a:r>
-              <a:rPr lang="en-US" sz="1400" dirty="0" smtClean="0"/>
+              <a:rPr lang="en-US" b="1" dirty="0" smtClean="0">
+                <a:solidFill>
+                  <a:srgbClr val="000000"/>
+                </a:solidFill>
+              </a:rPr>
               <a:t>3</a:t>
             </a:r>
-            <a:endParaRPr lang="en-US" sz="1400" dirty="0"/>
+            <a:endParaRPr lang="en-US" b="1" dirty="0">
+              <a:solidFill>
+                <a:srgbClr val="000000"/>
+              </a:solidFill>
+            </a:endParaRPr>
           </a:p>
         </p:txBody>
       </p:sp>
@@ -8580,8 +8749,8 @@
         </p:nvSpPr>
         <p:spPr>
           <a:xfrm>
-            <a:off x="5789106" y="3537828"/>
-            <a:ext cx="223948" cy="245274"/>
+            <a:off x="5712284" y="3537828"/>
+            <a:ext cx="300770" cy="245274"/>
           </a:xfrm>
           <a:prstGeom prst="rect">
             <a:avLst/>
@@ -8607,10 +8776,18 @@
           <a:p>
             <a:pPr algn="ctr"/>
             <a:r>
-              <a:rPr lang="en-US" sz="1400" dirty="0" smtClean="0"/>
+              <a:rPr lang="en-US" b="1" dirty="0" smtClean="0">
+                <a:solidFill>
+                  <a:srgbClr val="000000"/>
+                </a:solidFill>
+              </a:rPr>
               <a:t>…</a:t>
             </a:r>
-            <a:endParaRPr lang="en-US" sz="1400" dirty="0"/>
+            <a:endParaRPr lang="en-US" b="1" dirty="0">
+              <a:solidFill>
+                <a:srgbClr val="000000"/>
+              </a:solidFill>
+            </a:endParaRPr>
           </a:p>
         </p:txBody>
       </p:sp>
@@ -8649,10 +8826,18 @@
           <a:p>
             <a:pPr algn="ctr"/>
             <a:r>
-              <a:rPr lang="en-US" sz="1400" dirty="0" smtClean="0"/>
+              <a:rPr lang="en-US" b="1" dirty="0" smtClean="0">
+                <a:solidFill>
+                  <a:srgbClr val="000000"/>
+                </a:solidFill>
+              </a:rPr>
               <a:t>1</a:t>
             </a:r>
-            <a:endParaRPr lang="en-US" sz="1400" dirty="0"/>
+            <a:endParaRPr lang="en-US" b="1" dirty="0">
+              <a:solidFill>
+                <a:srgbClr val="000000"/>
+              </a:solidFill>
+            </a:endParaRPr>
           </a:p>
         </p:txBody>
       </p:sp>
@@ -8694,10 +8879,18 @@
           <a:p>
             <a:pPr algn="ctr"/>
             <a:r>
-              <a:rPr lang="en-US" sz="1400" dirty="0"/>
+              <a:rPr lang="en-US" b="1" dirty="0">
+                <a:solidFill>
+                  <a:srgbClr val="000000"/>
+                </a:solidFill>
+              </a:rPr>
               <a:t>3</a:t>
             </a:r>
-            <a:endParaRPr lang="en-US" dirty="0"/>
+            <a:endParaRPr lang="en-US" sz="2400" b="1" dirty="0">
+              <a:solidFill>
+                <a:srgbClr val="000000"/>
+              </a:solidFill>
+            </a:endParaRPr>
           </a:p>
         </p:txBody>
       </p:sp>
@@ -8739,10 +8932,18 @@
           <a:p>
             <a:pPr algn="ctr"/>
             <a:r>
-              <a:rPr lang="en-US" sz="1400" dirty="0" smtClean="0"/>
+              <a:rPr lang="en-US" b="1" dirty="0" smtClean="0">
+                <a:solidFill>
+                  <a:srgbClr val="000000"/>
+                </a:solidFill>
+              </a:rPr>
               <a:t>2</a:t>
             </a:r>
-            <a:endParaRPr lang="en-US" sz="1400" dirty="0"/>
+            <a:endParaRPr lang="en-US" b="1" dirty="0">
+              <a:solidFill>
+                <a:srgbClr val="000000"/>
+              </a:solidFill>
+            </a:endParaRPr>
           </a:p>
         </p:txBody>
       </p:sp>
@@ -8755,7 +8956,7 @@
         <p:spPr>
           <a:xfrm>
             <a:off x="5712284" y="2644369"/>
-            <a:ext cx="223948" cy="245274"/>
+            <a:ext cx="300770" cy="245274"/>
           </a:xfrm>
           <a:prstGeom prst="rect">
             <a:avLst/>
@@ -8781,10 +8982,18 @@
           <a:p>
             <a:pPr algn="ctr"/>
             <a:r>
-              <a:rPr lang="en-US" sz="1400" dirty="0" smtClean="0"/>
+              <a:rPr lang="en-US" b="1" dirty="0" smtClean="0">
+                <a:solidFill>
+                  <a:srgbClr val="000000"/>
+                </a:solidFill>
+              </a:rPr>
               <a:t>…</a:t>
             </a:r>
-            <a:endParaRPr lang="en-US" sz="1400" dirty="0"/>
+            <a:endParaRPr lang="en-US" b="1" dirty="0">
+              <a:solidFill>
+                <a:srgbClr val="000000"/>
+              </a:solidFill>
+            </a:endParaRPr>
           </a:p>
         </p:txBody>
       </p:sp>
@@ -10202,8 +10411,8 @@
         </p:nvSpPr>
         <p:spPr>
           <a:xfrm>
-            <a:off x="1312982" y="2081252"/>
-            <a:ext cx="318229" cy="369332"/>
+            <a:off x="1312982" y="1987188"/>
+            <a:ext cx="392430" cy="523220"/>
           </a:xfrm>
           <a:prstGeom prst="rect">
             <a:avLst/>
@@ -10222,14 +10431,14 @@
           <a:lstStyle/>
           <a:p>
             <a:r>
-              <a:rPr lang="en-US" dirty="0" smtClean="0">
+              <a:rPr lang="en-US" sz="2800" dirty="0" smtClean="0">
                 <a:solidFill>
                   <a:schemeClr val="bg1"/>
                 </a:solidFill>
               </a:rPr>
               <a:t>A</a:t>
             </a:r>
-            <a:endParaRPr lang="en-US" dirty="0">
+            <a:endParaRPr lang="en-US" sz="2800" dirty="0">
               <a:solidFill>
                 <a:schemeClr val="bg1"/>
               </a:solidFill>
@@ -10239,44 +10448,14 @@
       </p:sp>
       <p:sp>
         <p:nvSpPr>
-          <p:cNvPr id="16" name="TextBox 15"/>
-          <p:cNvSpPr txBox="1"/>
-          <p:nvPr/>
-        </p:nvSpPr>
-        <p:spPr>
-          <a:xfrm>
-            <a:off x="4871593" y="3709664"/>
-            <a:ext cx="312906" cy="369332"/>
-          </a:xfrm>
-          <a:prstGeom prst="rect">
-            <a:avLst/>
-          </a:prstGeom>
-          <a:noFill/>
-        </p:spPr>
-        <p:txBody>
-          <a:bodyPr wrap="none" rtlCol="0">
-            <a:spAutoFit/>
-          </a:bodyPr>
-          <a:lstStyle/>
-          <a:p>
-            <a:r>
-              <a:rPr lang="en-US" dirty="0" smtClean="0"/>
-              <a:t>C</a:t>
-            </a:r>
-            <a:endParaRPr lang="en-US" dirty="0"/>
-          </a:p>
-        </p:txBody>
-      </p:sp>
-      <p:sp>
-        <p:nvSpPr>
           <p:cNvPr id="26" name="TextBox 25"/>
           <p:cNvSpPr txBox="1"/>
           <p:nvPr/>
         </p:nvSpPr>
         <p:spPr>
           <a:xfrm>
-            <a:off x="4362309" y="793775"/>
-            <a:ext cx="312906" cy="369332"/>
+            <a:off x="4362309" y="699711"/>
+            <a:ext cx="379982" cy="523220"/>
           </a:xfrm>
           <a:prstGeom prst="rect">
             <a:avLst/>
@@ -10295,7 +10474,7 @@
           <a:lstStyle/>
           <a:p>
             <a:r>
-              <a:rPr lang="en-US" dirty="0">
+              <a:rPr lang="en-US" sz="2800" dirty="0">
                 <a:solidFill>
                   <a:schemeClr val="bg1"/>
                 </a:solidFill>
@@ -10313,8 +10492,8 @@
         </p:nvSpPr>
         <p:spPr>
           <a:xfrm>
-            <a:off x="4362309" y="3401545"/>
-            <a:ext cx="312906" cy="369332"/>
+            <a:off x="4362309" y="3307481"/>
+            <a:ext cx="376125" cy="523220"/>
           </a:xfrm>
           <a:prstGeom prst="rect">
             <a:avLst/>
@@ -10333,7 +10512,7 @@
           <a:lstStyle/>
           <a:p>
             <a:r>
-              <a:rPr lang="en-US" dirty="0">
+              <a:rPr lang="en-US" sz="2800" dirty="0">
                 <a:solidFill>
                   <a:schemeClr val="bg1"/>
                 </a:solidFill>
@@ -10351,8 +10530,8 @@
         </p:nvSpPr>
         <p:spPr>
           <a:xfrm>
-            <a:off x="7195973" y="2079505"/>
-            <a:ext cx="326682" cy="369332"/>
+            <a:off x="7195973" y="1985441"/>
+            <a:ext cx="405580" cy="523220"/>
           </a:xfrm>
           <a:prstGeom prst="rect">
             <a:avLst/>
@@ -10371,14 +10550,14 @@
           <a:lstStyle/>
           <a:p>
             <a:r>
-              <a:rPr lang="en-US" dirty="0" smtClean="0">
+              <a:rPr lang="en-US" sz="2800" dirty="0" smtClean="0">
                 <a:solidFill>
                   <a:schemeClr val="bg1"/>
                 </a:solidFill>
               </a:rPr>
               <a:t>D</a:t>
             </a:r>
-            <a:endParaRPr lang="en-US" dirty="0">
+            <a:endParaRPr lang="en-US" sz="2800" dirty="0">
               <a:solidFill>
                 <a:schemeClr val="bg1"/>
               </a:solidFill>
@@ -10712,7 +10891,7 @@
         <p:spPr>
           <a:xfrm>
             <a:off x="6657036" y="1095515"/>
-            <a:ext cx="301660" cy="369332"/>
+            <a:ext cx="340658" cy="461665"/>
           </a:xfrm>
           <a:prstGeom prst="rect">
             <a:avLst/>
@@ -10726,10 +10905,10 @@
           <a:lstStyle/>
           <a:p>
             <a:r>
-              <a:rPr lang="en-US" dirty="0" smtClean="0"/>
+              <a:rPr lang="en-US" sz="2400" dirty="0" smtClean="0"/>
               <a:t>3</a:t>
             </a:r>
-            <a:endParaRPr lang="en-US" dirty="0"/>
+            <a:endParaRPr lang="en-US" sz="2400" dirty="0"/>
           </a:p>
         </p:txBody>
       </p:sp>
@@ -10777,7 +10956,7 @@
         <p:spPr>
           <a:xfrm>
             <a:off x="5615576" y="909007"/>
-            <a:ext cx="416625" cy="369332"/>
+            <a:ext cx="689011" cy="461665"/>
           </a:xfrm>
           <a:prstGeom prst="rect">
             <a:avLst/>
@@ -10791,10 +10970,10 @@
           <a:lstStyle/>
           <a:p>
             <a:r>
-              <a:rPr lang="en-US" dirty="0" smtClean="0"/>
-              <a:t>2*</a:t>
-            </a:r>
-            <a:endParaRPr lang="en-US" dirty="0"/>
+              <a:rPr lang="en-US" sz="2400" dirty="0" smtClean="0"/>
+              <a:t>2(b)</a:t>
+            </a:r>
+            <a:endParaRPr lang="en-US" sz="2400" dirty="0"/>
           </a:p>
         </p:txBody>
       </p:sp>
@@ -10841,8 +11020,8 @@
         </p:nvSpPr>
         <p:spPr>
           <a:xfrm>
-            <a:off x="2813300" y="1137963"/>
-            <a:ext cx="416625" cy="369332"/>
+            <a:off x="2813300" y="926319"/>
+            <a:ext cx="689011" cy="461665"/>
           </a:xfrm>
           <a:prstGeom prst="rect">
             <a:avLst/>
@@ -10856,10 +11035,10 @@
           <a:lstStyle/>
           <a:p>
             <a:r>
-              <a:rPr lang="en-US" dirty="0" smtClean="0"/>
-              <a:t>2*</a:t>
-            </a:r>
-            <a:endParaRPr lang="en-US" dirty="0"/>
+              <a:rPr lang="en-US" sz="2400" dirty="0" smtClean="0"/>
+              <a:t>2(b)</a:t>
+            </a:r>
+            <a:endParaRPr lang="en-US" sz="2400" dirty="0"/>
           </a:p>
         </p:txBody>
       </p:sp>
@@ -11189,7 +11368,7 @@
         <p:spPr>
           <a:xfrm>
             <a:off x="2027722" y="1134987"/>
-            <a:ext cx="301660" cy="369332"/>
+            <a:ext cx="340658" cy="461665"/>
           </a:xfrm>
           <a:prstGeom prst="rect">
             <a:avLst/>
@@ -11203,10 +11382,10 @@
           <a:lstStyle/>
           <a:p>
             <a:r>
-              <a:rPr lang="en-US" dirty="0" smtClean="0"/>
+              <a:rPr lang="en-US" sz="2400" dirty="0" smtClean="0"/>
               <a:t>1</a:t>
             </a:r>
-            <a:endParaRPr lang="en-US" dirty="0"/>
+            <a:endParaRPr lang="en-US" sz="2400" dirty="0"/>
           </a:p>
         </p:txBody>
       </p:sp>
@@ -11254,7 +11433,7 @@
         <p:spPr>
           <a:xfrm>
             <a:off x="5353035" y="1594038"/>
-            <a:ext cx="416625" cy="369332"/>
+            <a:ext cx="689011" cy="461665"/>
           </a:xfrm>
           <a:prstGeom prst="rect">
             <a:avLst/>
@@ -11268,10 +11447,10 @@
           <a:lstStyle/>
           <a:p>
             <a:r>
-              <a:rPr lang="en-US" dirty="0" smtClean="0"/>
-              <a:t>4*</a:t>
-            </a:r>
-            <a:endParaRPr lang="en-US" dirty="0"/>
+              <a:rPr lang="en-US" sz="2400" dirty="0" smtClean="0"/>
+              <a:t>4(b)</a:t>
+            </a:r>
+            <a:endParaRPr lang="en-US" sz="2400" dirty="0"/>
           </a:p>
         </p:txBody>
       </p:sp>
@@ -11319,7 +11498,7 @@
         <p:spPr>
           <a:xfrm>
             <a:off x="4479940" y="87167"/>
-            <a:ext cx="301660" cy="369332"/>
+            <a:ext cx="340658" cy="461665"/>
           </a:xfrm>
           <a:prstGeom prst="rect">
             <a:avLst/>
@@ -11333,10 +11512,10 @@
           <a:lstStyle/>
           <a:p>
             <a:r>
-              <a:rPr lang="en-US" dirty="0" smtClean="0"/>
+              <a:rPr lang="en-US" sz="2400" dirty="0" smtClean="0"/>
               <a:t>5</a:t>
             </a:r>
-            <a:endParaRPr lang="en-US" dirty="0"/>
+            <a:endParaRPr lang="en-US" sz="2400" dirty="0"/>
           </a:p>
         </p:txBody>
       </p:sp>
@@ -11348,8 +11527,8 @@
         </p:nvSpPr>
         <p:spPr>
           <a:xfrm>
-            <a:off x="3321282" y="1594038"/>
-            <a:ext cx="301660" cy="369332"/>
+            <a:off x="3321282" y="1523490"/>
+            <a:ext cx="674734" cy="461665"/>
           </a:xfrm>
           <a:prstGeom prst="rect">
             <a:avLst/>
@@ -11363,9 +11542,10 @@
           <a:lstStyle/>
           <a:p>
             <a:r>
-              <a:rPr lang="en-US" dirty="0"/>
-              <a:t>6</a:t>
-            </a:r>
+              <a:rPr lang="en-US" sz="2400" dirty="0" smtClean="0"/>
+              <a:t>6(a)</a:t>
+            </a:r>
+            <a:endParaRPr lang="en-US" sz="2400" dirty="0"/>
           </a:p>
         </p:txBody>
       </p:sp>
@@ -11414,7 +11594,7 @@
         <p:spPr>
           <a:xfrm>
             <a:off x="4586300" y="2081252"/>
-            <a:ext cx="416625" cy="369332"/>
+            <a:ext cx="689011" cy="461665"/>
           </a:xfrm>
           <a:prstGeom prst="rect">
             <a:avLst/>
@@ -11428,10 +11608,10 @@
           <a:lstStyle/>
           <a:p>
             <a:r>
-              <a:rPr lang="en-US" dirty="0" smtClean="0"/>
-              <a:t>6*</a:t>
-            </a:r>
-            <a:endParaRPr lang="en-US" dirty="0"/>
+              <a:rPr lang="en-US" sz="2400" dirty="0" smtClean="0"/>
+              <a:t>6(b)</a:t>
+            </a:r>
+            <a:endParaRPr lang="en-US" sz="2400" dirty="0"/>
           </a:p>
         </p:txBody>
       </p:sp>
@@ -11476,8 +11656,8 @@
         </p:nvSpPr>
         <p:spPr>
           <a:xfrm>
-            <a:off x="6063827" y="2735149"/>
-            <a:ext cx="301660" cy="369332"/>
+            <a:off x="6063827" y="2570537"/>
+            <a:ext cx="674734" cy="461665"/>
           </a:xfrm>
           <a:prstGeom prst="rect">
             <a:avLst/>
@@ -11491,10 +11671,10 @@
           <a:lstStyle/>
           <a:p>
             <a:r>
-              <a:rPr lang="en-US" dirty="0" smtClean="0"/>
-              <a:t>2</a:t>
-            </a:r>
-            <a:endParaRPr lang="en-US" dirty="0"/>
+              <a:rPr lang="en-US" sz="2400" dirty="0" smtClean="0"/>
+              <a:t>2(a)</a:t>
+            </a:r>
+            <a:endParaRPr lang="en-US" sz="2400" dirty="0"/>
           </a:p>
         </p:txBody>
       </p:sp>
@@ -11538,9 +11718,9 @@
           <p:nvPr/>
         </p:nvSpPr>
         <p:spPr>
-          <a:xfrm>
-            <a:off x="2925240" y="2919815"/>
-            <a:ext cx="301660" cy="369332"/>
+          <a:xfrm rot="997579">
+            <a:off x="2925240" y="2649381"/>
+            <a:ext cx="674734" cy="461665"/>
           </a:xfrm>
           <a:prstGeom prst="rect">
             <a:avLst/>
@@ -11554,9 +11734,10 @@
           <a:lstStyle/>
           <a:p>
             <a:r>
-              <a:rPr lang="en-US" dirty="0"/>
-              <a:t>2</a:t>
-            </a:r>
+              <a:rPr lang="en-US" sz="2400" dirty="0" smtClean="0"/>
+              <a:t>2(a)</a:t>
+            </a:r>
+            <a:endParaRPr lang="en-US" sz="2400" dirty="0"/>
           </a:p>
         </p:txBody>
       </p:sp>
@@ -11603,8 +11784,8 @@
         </p:nvSpPr>
         <p:spPr>
           <a:xfrm>
-            <a:off x="3170452" y="2450584"/>
-            <a:ext cx="301660" cy="369332"/>
+            <a:off x="3170452" y="2380036"/>
+            <a:ext cx="340658" cy="461665"/>
           </a:xfrm>
           <a:prstGeom prst="rect">
             <a:avLst/>
@@ -11618,10 +11799,10 @@
           <a:lstStyle/>
           <a:p>
             <a:r>
-              <a:rPr lang="en-US" dirty="0" smtClean="0"/>
+              <a:rPr lang="en-US" sz="2400" dirty="0" smtClean="0"/>
               <a:t>8</a:t>
             </a:r>
-            <a:endParaRPr lang="en-US" dirty="0"/>
+            <a:endParaRPr lang="en-US" sz="2400" dirty="0"/>
           </a:p>
         </p:txBody>
       </p:sp>
@@ -11669,7 +11850,7 @@
         <p:spPr>
           <a:xfrm>
             <a:off x="5326367" y="2450584"/>
-            <a:ext cx="301660" cy="369332"/>
+            <a:ext cx="674734" cy="461665"/>
           </a:xfrm>
           <a:prstGeom prst="rect">
             <a:avLst/>
@@ -11683,10 +11864,10 @@
           <a:lstStyle/>
           <a:p>
             <a:r>
-              <a:rPr lang="en-US" dirty="0" smtClean="0"/>
-              <a:t>4</a:t>
-            </a:r>
-            <a:endParaRPr lang="en-US" dirty="0"/>
+              <a:rPr lang="en-US" sz="2400" dirty="0" smtClean="0"/>
+              <a:t>4(a)</a:t>
+            </a:r>
+            <a:endParaRPr lang="en-US" sz="2400" dirty="0"/>
           </a:p>
         </p:txBody>
       </p:sp>
@@ -11758,8 +11939,8 @@
         </p:nvSpPr>
         <p:spPr>
           <a:xfrm>
-            <a:off x="4478958" y="4078996"/>
-            <a:ext cx="301660" cy="369332"/>
+            <a:off x="4443681" y="4078996"/>
+            <a:ext cx="340658" cy="461665"/>
           </a:xfrm>
           <a:prstGeom prst="rect">
             <a:avLst/>
@@ -11773,10 +11954,10 @@
           <a:lstStyle/>
           <a:p>
             <a:r>
-              <a:rPr lang="en-US" dirty="0" smtClean="0"/>
+              <a:rPr lang="en-US" sz="2400" dirty="0" smtClean="0"/>
               <a:t>7</a:t>
             </a:r>
-            <a:endParaRPr lang="en-US" dirty="0"/>
+            <a:endParaRPr lang="en-US" sz="2400" dirty="0"/>
           </a:p>
         </p:txBody>
       </p:sp>
@@ -11823,8 +12004,8 @@
         </p:nvSpPr>
         <p:spPr>
           <a:xfrm>
-            <a:off x="6063827" y="3104481"/>
-            <a:ext cx="301660" cy="369332"/>
+            <a:off x="6063827" y="3057449"/>
+            <a:ext cx="674734" cy="461665"/>
           </a:xfrm>
           <a:prstGeom prst="rect">
             <a:avLst/>
@@ -11838,10 +12019,10 @@
           <a:lstStyle/>
           <a:p>
             <a:r>
-              <a:rPr lang="en-US" dirty="0" smtClean="0"/>
-              <a:t>9</a:t>
-            </a:r>
-            <a:endParaRPr lang="en-US" dirty="0"/>
+              <a:rPr lang="en-US" sz="2400" dirty="0" smtClean="0"/>
+              <a:t>9(a)</a:t>
+            </a:r>
+            <a:endParaRPr lang="en-US" sz="2400" dirty="0"/>
           </a:p>
         </p:txBody>
       </p:sp>
@@ -11886,8 +12067,8 @@
         </p:nvSpPr>
         <p:spPr>
           <a:xfrm>
-            <a:off x="2774410" y="3330134"/>
-            <a:ext cx="301660" cy="369332"/>
+            <a:off x="2774410" y="3130248"/>
+            <a:ext cx="674734" cy="461665"/>
           </a:xfrm>
           <a:prstGeom prst="rect">
             <a:avLst/>
@@ -11901,10 +12082,10 @@
           <a:lstStyle/>
           <a:p>
             <a:r>
-              <a:rPr lang="en-US" dirty="0" smtClean="0"/>
-              <a:t>9</a:t>
-            </a:r>
-            <a:endParaRPr lang="en-US" dirty="0"/>
+              <a:rPr lang="en-US" sz="2400" dirty="0" smtClean="0"/>
+              <a:t>9(a)</a:t>
+            </a:r>
+            <a:endParaRPr lang="en-US" sz="2400" dirty="0"/>
           </a:p>
         </p:txBody>
       </p:sp>
@@ -11954,7 +12135,7 @@
         <p:spPr>
           <a:xfrm>
             <a:off x="8442045" y="2026519"/>
-            <a:ext cx="418654" cy="369332"/>
+            <a:ext cx="496650" cy="461665"/>
           </a:xfrm>
           <a:prstGeom prst="rect">
             <a:avLst/>
@@ -11968,10 +12149,10 @@
           <a:lstStyle/>
           <a:p>
             <a:r>
-              <a:rPr lang="en-US" dirty="0" smtClean="0"/>
+              <a:rPr lang="en-US" sz="2400" dirty="0" smtClean="0"/>
               <a:t>10</a:t>
             </a:r>
-            <a:endParaRPr lang="en-US" dirty="0"/>
+            <a:endParaRPr lang="en-US" sz="2400" dirty="0"/>
           </a:p>
         </p:txBody>
       </p:sp>
@@ -11987,7 +12168,7 @@
         <p:spPr>
           <a:xfrm rot="10800000" flipH="1" flipV="1">
             <a:off x="569976" y="1210834"/>
-            <a:ext cx="743006" cy="1055084"/>
+            <a:ext cx="743006" cy="1037964"/>
           </a:xfrm>
           <a:prstGeom prst="curvedConnector3">
             <a:avLst>
@@ -12022,7 +12203,7 @@
         <p:spPr>
           <a:xfrm>
             <a:off x="404266" y="2114850"/>
-            <a:ext cx="416625" cy="369332"/>
+            <a:ext cx="689011" cy="461665"/>
           </a:xfrm>
           <a:prstGeom prst="rect">
             <a:avLst/>
@@ -12036,10 +12217,10 @@
           <a:lstStyle/>
           <a:p>
             <a:r>
-              <a:rPr lang="en-US" dirty="0" smtClean="0"/>
-              <a:t>9*</a:t>
-            </a:r>
-            <a:endParaRPr lang="en-US" dirty="0"/>
+              <a:rPr lang="en-US" sz="2400" dirty="0" smtClean="0"/>
+              <a:t>9(b)</a:t>
+            </a:r>
+            <a:endParaRPr lang="en-US" sz="2400" dirty="0"/>
           </a:p>
         </p:txBody>
       </p:sp>
@@ -18307,8 +18488,8 @@
         </p:nvSpPr>
         <p:spPr>
           <a:xfrm>
-            <a:off x="4153689" y="1087042"/>
-            <a:ext cx="1692218" cy="597700"/>
+            <a:off x="3668771" y="816608"/>
+            <a:ext cx="2177136" cy="597700"/>
           </a:xfrm>
           <a:prstGeom prst="ellipse">
             <a:avLst/>
@@ -18337,14 +18518,14 @@
           <a:p>
             <a:pPr algn="ctr"/>
             <a:r>
-              <a:rPr lang="en-US" sz="1600" dirty="0" smtClean="0">
+              <a:rPr lang="en-US" sz="2000" b="1" dirty="0" smtClean="0">
                 <a:solidFill>
                   <a:schemeClr val="tx1"/>
                 </a:solidFill>
               </a:rPr>
               <a:t>Policy Server</a:t>
             </a:r>
-            <a:endParaRPr lang="en-US" sz="1600" dirty="0">
+            <a:endParaRPr lang="en-US" sz="2000" b="1" dirty="0">
               <a:solidFill>
                 <a:schemeClr val="tx1"/>
               </a:solidFill>
@@ -18360,8 +18541,8 @@
         </p:nvSpPr>
         <p:spPr>
           <a:xfrm rot="5400000">
-            <a:off x="347939" y="1807086"/>
-            <a:ext cx="1125051" cy="1705488"/>
+            <a:off x="-116725" y="1847433"/>
+            <a:ext cx="1537612" cy="1212237"/>
           </a:xfrm>
           <a:prstGeom prst="rect">
             <a:avLst/>
@@ -18396,78 +18577,14 @@
       </p:sp>
       <p:sp>
         <p:nvSpPr>
-          <p:cNvPr id="11" name="Rectangle 10"/>
-          <p:cNvSpPr/>
-          <p:nvPr/>
-        </p:nvSpPr>
-        <p:spPr>
-          <a:xfrm>
-            <a:off x="57723" y="2097304"/>
-            <a:ext cx="823880" cy="732778"/>
-          </a:xfrm>
-          <a:prstGeom prst="rect">
-            <a:avLst/>
-          </a:prstGeom>
-          <a:ln w="38100" cmpd="sng">
-            <a:noFill/>
-          </a:ln>
-        </p:spPr>
-        <p:style>
-          <a:lnRef idx="1">
-            <a:schemeClr val="accent1"/>
-          </a:lnRef>
-          <a:fillRef idx="3">
-            <a:schemeClr val="accent1"/>
-          </a:fillRef>
-          <a:effectRef idx="2">
-            <a:schemeClr val="accent1"/>
-          </a:effectRef>
-          <a:fontRef idx="minor">
-            <a:schemeClr val="lt1"/>
-          </a:fontRef>
-        </p:style>
-        <p:txBody>
-          <a:bodyPr rtlCol="0" anchor="ctr"/>
-          <a:lstStyle/>
-          <a:p>
-            <a:pPr algn="ctr"/>
-            <a:r>
-              <a:rPr lang="en-US" sz="1600" dirty="0" smtClean="0">
-                <a:solidFill>
-                  <a:schemeClr val="tx1"/>
-                </a:solidFill>
-              </a:rPr>
-              <a:t>Client</a:t>
-            </a:r>
-          </a:p>
-          <a:p>
-            <a:pPr algn="ctr"/>
-            <a:r>
-              <a:rPr lang="en-US" sz="1600" dirty="0" smtClean="0">
-                <a:solidFill>
-                  <a:schemeClr val="tx1"/>
-                </a:solidFill>
-              </a:rPr>
-              <a:t>App</a:t>
-            </a:r>
-            <a:endParaRPr lang="en-US" sz="1600" dirty="0">
-              <a:solidFill>
-                <a:schemeClr val="tx1"/>
-              </a:solidFill>
-            </a:endParaRPr>
-          </a:p>
-        </p:txBody>
-      </p:sp>
-      <p:sp>
-        <p:nvSpPr>
           <p:cNvPr id="60" name="Rectangle 59"/>
           <p:cNvSpPr/>
           <p:nvPr/>
         </p:nvSpPr>
         <p:spPr>
           <a:xfrm rot="5400000">
-            <a:off x="2763033" y="1820188"/>
-            <a:ext cx="1125051" cy="1679284"/>
+            <a:off x="2483612" y="1781125"/>
+            <a:ext cx="1537609" cy="1344856"/>
           </a:xfrm>
           <a:prstGeom prst="rect">
             <a:avLst/>
@@ -18502,67 +18619,14 @@
       </p:sp>
       <p:sp>
         <p:nvSpPr>
-          <p:cNvPr id="61" name="Rectangle 60"/>
-          <p:cNvSpPr/>
-          <p:nvPr/>
-        </p:nvSpPr>
-        <p:spPr>
-          <a:xfrm>
-            <a:off x="2485918" y="2097303"/>
-            <a:ext cx="904053" cy="732779"/>
-          </a:xfrm>
-          <a:prstGeom prst="rect">
-            <a:avLst/>
-          </a:prstGeom>
-          <a:ln w="38100" cmpd="sng">
-            <a:noFill/>
-          </a:ln>
-        </p:spPr>
-        <p:style>
-          <a:lnRef idx="1">
-            <a:schemeClr val="accent1"/>
-          </a:lnRef>
-          <a:fillRef idx="3">
-            <a:schemeClr val="accent1"/>
-          </a:fillRef>
-          <a:effectRef idx="2">
-            <a:schemeClr val="accent1"/>
-          </a:effectRef>
-          <a:fontRef idx="minor">
-            <a:schemeClr val="lt1"/>
-          </a:fontRef>
-        </p:style>
-        <p:txBody>
-          <a:bodyPr rtlCol="0" anchor="ctr"/>
-          <a:lstStyle/>
-          <a:p>
-            <a:pPr algn="ctr"/>
-            <a:r>
-              <a:rPr lang="en-US" sz="1600" dirty="0" smtClean="0">
-                <a:solidFill>
-                  <a:schemeClr val="tx1"/>
-                </a:solidFill>
-              </a:rPr>
-              <a:t>Network Function</a:t>
-            </a:r>
-            <a:endParaRPr lang="en-US" sz="1600" dirty="0">
-              <a:solidFill>
-                <a:schemeClr val="tx1"/>
-              </a:solidFill>
-            </a:endParaRPr>
-          </a:p>
-        </p:txBody>
-      </p:sp>
-      <p:sp>
-        <p:nvSpPr>
           <p:cNvPr id="67" name="Rectangle 66"/>
           <p:cNvSpPr/>
           <p:nvPr/>
         </p:nvSpPr>
         <p:spPr>
           <a:xfrm rot="5400000">
-            <a:off x="5196107" y="1811516"/>
-            <a:ext cx="1125051" cy="1696628"/>
+            <a:off x="5086502" y="1794440"/>
+            <a:ext cx="1537611" cy="1318225"/>
           </a:xfrm>
           <a:prstGeom prst="rect">
             <a:avLst/>
@@ -18597,67 +18661,14 @@
       </p:sp>
       <p:sp>
         <p:nvSpPr>
-          <p:cNvPr id="68" name="Rectangle 67"/>
-          <p:cNvSpPr/>
-          <p:nvPr/>
-        </p:nvSpPr>
-        <p:spPr>
-          <a:xfrm>
-            <a:off x="4910320" y="2086807"/>
-            <a:ext cx="935587" cy="744363"/>
-          </a:xfrm>
-          <a:prstGeom prst="rect">
-            <a:avLst/>
-          </a:prstGeom>
-          <a:ln w="38100" cmpd="sng">
-            <a:noFill/>
-          </a:ln>
-        </p:spPr>
-        <p:style>
-          <a:lnRef idx="1">
-            <a:schemeClr val="accent1"/>
-          </a:lnRef>
-          <a:fillRef idx="3">
-            <a:schemeClr val="accent1"/>
-          </a:fillRef>
-          <a:effectRef idx="2">
-            <a:schemeClr val="accent1"/>
-          </a:effectRef>
-          <a:fontRef idx="minor">
-            <a:schemeClr val="lt1"/>
-          </a:fontRef>
-        </p:style>
-        <p:txBody>
-          <a:bodyPr rtlCol="0" anchor="ctr"/>
-          <a:lstStyle/>
-          <a:p>
-            <a:pPr algn="ctr"/>
-            <a:r>
-              <a:rPr lang="en-US" sz="1600" dirty="0" smtClean="0">
-                <a:solidFill>
-                  <a:schemeClr val="tx1"/>
-                </a:solidFill>
-              </a:rPr>
-              <a:t>Network Function</a:t>
-            </a:r>
-            <a:endParaRPr lang="en-US" sz="1600" dirty="0">
-              <a:solidFill>
-                <a:schemeClr val="tx1"/>
-              </a:solidFill>
-            </a:endParaRPr>
-          </a:p>
-        </p:txBody>
-      </p:sp>
-      <p:sp>
-        <p:nvSpPr>
           <p:cNvPr id="76" name="Rectangle 75"/>
           <p:cNvSpPr/>
           <p:nvPr/>
         </p:nvSpPr>
         <p:spPr>
           <a:xfrm rot="5400000">
-            <a:off x="7654700" y="1788164"/>
-            <a:ext cx="1131276" cy="1737112"/>
+            <a:off x="7727108" y="1860574"/>
+            <a:ext cx="1537615" cy="1185956"/>
           </a:xfrm>
           <a:prstGeom prst="rect">
             <a:avLst/>
@@ -18692,73 +18703,14 @@
       </p:sp>
       <p:sp>
         <p:nvSpPr>
-          <p:cNvPr id="78" name="Rectangle 77"/>
-          <p:cNvSpPr/>
-          <p:nvPr/>
-        </p:nvSpPr>
-        <p:spPr>
-          <a:xfrm>
-            <a:off x="7351783" y="2080584"/>
-            <a:ext cx="928981" cy="729594"/>
-          </a:xfrm>
-          <a:prstGeom prst="rect">
-            <a:avLst/>
-          </a:prstGeom>
-          <a:ln w="38100" cmpd="sng">
-            <a:noFill/>
-          </a:ln>
-        </p:spPr>
-        <p:style>
-          <a:lnRef idx="1">
-            <a:schemeClr val="accent1"/>
-          </a:lnRef>
-          <a:fillRef idx="3">
-            <a:schemeClr val="accent1"/>
-          </a:fillRef>
-          <a:effectRef idx="2">
-            <a:schemeClr val="accent1"/>
-          </a:effectRef>
-          <a:fontRef idx="minor">
-            <a:schemeClr val="lt1"/>
-          </a:fontRef>
-        </p:style>
-        <p:txBody>
-          <a:bodyPr rtlCol="0" anchor="ctr"/>
-          <a:lstStyle/>
-          <a:p>
-            <a:pPr algn="ctr"/>
-            <a:r>
-              <a:rPr lang="en-US" sz="1600" dirty="0" smtClean="0">
-                <a:solidFill>
-                  <a:schemeClr val="tx1"/>
-                </a:solidFill>
-              </a:rPr>
-              <a:t>Server</a:t>
-            </a:r>
-          </a:p>
-          <a:p>
-            <a:pPr algn="ctr"/>
-            <a:r>
-              <a:rPr lang="en-US" sz="1600" dirty="0" smtClean="0">
-                <a:solidFill>
-                  <a:schemeClr val="tx1"/>
-                </a:solidFill>
-              </a:rPr>
-              <a:t>App</a:t>
-            </a:r>
-          </a:p>
-        </p:txBody>
-      </p:sp>
-      <p:sp>
-        <p:nvSpPr>
           <p:cNvPr id="80" name="Rectangle 79"/>
           <p:cNvSpPr/>
           <p:nvPr/>
         </p:nvSpPr>
         <p:spPr>
           <a:xfrm>
-            <a:off x="5845907" y="2076311"/>
-            <a:ext cx="761041" cy="754859"/>
+            <a:off x="5196196" y="1684749"/>
+            <a:ext cx="1318225" cy="1146422"/>
           </a:xfrm>
           <a:prstGeom prst="rect">
             <a:avLst/>
@@ -18798,19 +18750,38 @@
           <a:p>
             <a:pPr algn="ctr"/>
             <a:r>
-              <a:rPr lang="en-US" sz="1600" dirty="0" smtClean="0">
+              <a:rPr lang="en-US" sz="2000" b="1" dirty="0" smtClean="0">
                 <a:solidFill>
                   <a:srgbClr val="000000"/>
                 </a:solidFill>
               </a:rPr>
               <a:t>Agent</a:t>
             </a:r>
-            <a:endParaRPr lang="en-US" sz="1400" dirty="0">
+          </a:p>
+          <a:p>
+            <a:pPr algn="ctr"/>
+            <a:endParaRPr lang="en-US" sz="2000" b="1" dirty="0">
               <a:solidFill>
                 <a:srgbClr val="000000"/>
               </a:solidFill>
             </a:endParaRPr>
           </a:p>
+          <a:p>
+            <a:pPr algn="ctr"/>
+            <a:endParaRPr lang="en-US" sz="2000" b="1" dirty="0" smtClean="0">
+              <a:solidFill>
+                <a:srgbClr val="000000"/>
+              </a:solidFill>
+            </a:endParaRPr>
+          </a:p>
+          <a:p>
+            <a:pPr algn="ctr"/>
+            <a:endParaRPr lang="en-US" b="1" dirty="0">
+              <a:solidFill>
+                <a:srgbClr val="000000"/>
+              </a:solidFill>
+            </a:endParaRPr>
+          </a:p>
         </p:txBody>
       </p:sp>
       <p:sp>
@@ -18821,8 +18792,8 @@
         </p:nvSpPr>
         <p:spPr>
           <a:xfrm>
-            <a:off x="8280765" y="2080583"/>
-            <a:ext cx="808130" cy="729595"/>
+            <a:off x="7902938" y="1684749"/>
+            <a:ext cx="1185957" cy="1125430"/>
           </a:xfrm>
           <a:prstGeom prst="rect">
             <a:avLst/>
@@ -18865,19 +18836,38 @@
           <a:p>
             <a:pPr algn="ctr"/>
             <a:r>
-              <a:rPr lang="en-US" sz="1600" dirty="0" smtClean="0">
+              <a:rPr lang="en-US" sz="2000" b="1" dirty="0" smtClean="0">
                 <a:solidFill>
                   <a:srgbClr val="000000"/>
                 </a:solidFill>
               </a:rPr>
               <a:t>Agent</a:t>
             </a:r>
-            <a:endParaRPr lang="en-US" sz="1400" dirty="0">
+          </a:p>
+          <a:p>
+            <a:pPr algn="ctr"/>
+            <a:endParaRPr lang="en-US" sz="2000" b="1" dirty="0">
               <a:solidFill>
                 <a:srgbClr val="000000"/>
               </a:solidFill>
             </a:endParaRPr>
           </a:p>
+          <a:p>
+            <a:pPr algn="ctr"/>
+            <a:endParaRPr lang="en-US" sz="2000" b="1" dirty="0" smtClean="0">
+              <a:solidFill>
+                <a:srgbClr val="000000"/>
+              </a:solidFill>
+            </a:endParaRPr>
+          </a:p>
+          <a:p>
+            <a:pPr algn="ctr"/>
+            <a:endParaRPr lang="en-US" b="1" dirty="0">
+              <a:solidFill>
+                <a:srgbClr val="000000"/>
+              </a:solidFill>
+            </a:endParaRPr>
+          </a:p>
         </p:txBody>
       </p:sp>
       <p:sp>
@@ -18888,8 +18878,8 @@
         </p:nvSpPr>
         <p:spPr>
           <a:xfrm>
-            <a:off x="3389971" y="2084085"/>
-            <a:ext cx="775233" cy="745997"/>
+            <a:off x="2579991" y="1684747"/>
+            <a:ext cx="1344854" cy="1145336"/>
           </a:xfrm>
           <a:prstGeom prst="rect">
             <a:avLst/>
@@ -18929,19 +18919,41 @@
           <a:p>
             <a:pPr algn="ctr"/>
             <a:r>
-              <a:rPr lang="en-US" sz="1600" dirty="0" smtClean="0">
+              <a:rPr lang="en-US" sz="2000" b="1" dirty="0" smtClean="0">
                 <a:solidFill>
                   <a:srgbClr val="000000"/>
                 </a:solidFill>
               </a:rPr>
               <a:t>Agent</a:t>
             </a:r>
-            <a:endParaRPr lang="en-US" sz="1400" dirty="0">
+          </a:p>
+          <a:p>
+            <a:pPr algn="ctr"/>
+            <a:endParaRPr lang="en-US" sz="2000" b="1" dirty="0">
               <a:solidFill>
                 <a:srgbClr val="000000"/>
               </a:solidFill>
             </a:endParaRPr>
           </a:p>
+          <a:p>
+            <a:pPr algn="ctr"/>
+            <a:endParaRPr lang="en-US" sz="2000" b="1" dirty="0" smtClean="0">
+              <a:solidFill>
+                <a:srgbClr val="000000"/>
+              </a:solidFill>
+            </a:endParaRPr>
+          </a:p>
+          <a:p>
+            <a:pPr algn="ctr"/>
+            <a:r>
+              <a:rPr lang="en-US" sz="2000" b="1" dirty="0" smtClean="0">
+                <a:solidFill>
+                  <a:srgbClr val="000000"/>
+                </a:solidFill>
+              </a:rPr>
+              <a:t>z</a:t>
+            </a:r>
+          </a:p>
         </p:txBody>
       </p:sp>
       <p:sp>
@@ -18952,8 +18964,8 @@
         </p:nvSpPr>
         <p:spPr>
           <a:xfrm>
-            <a:off x="881603" y="2094581"/>
-            <a:ext cx="871112" cy="745997"/>
+            <a:off x="45963" y="1684743"/>
+            <a:ext cx="1212237" cy="1155836"/>
           </a:xfrm>
           <a:prstGeom prst="rect">
             <a:avLst/>
@@ -18993,14 +19005,33 @@
           <a:p>
             <a:pPr algn="ctr"/>
             <a:r>
-              <a:rPr lang="en-US" sz="1600" dirty="0" smtClean="0">
+              <a:rPr lang="en-US" sz="2000" b="1" dirty="0" smtClean="0">
                 <a:solidFill>
                   <a:srgbClr val="000000"/>
                 </a:solidFill>
               </a:rPr>
               <a:t>Agent</a:t>
             </a:r>
-            <a:endParaRPr lang="en-US" sz="1400" dirty="0">
+          </a:p>
+          <a:p>
+            <a:pPr algn="ctr"/>
+            <a:endParaRPr lang="en-US" sz="2000" b="1" dirty="0" smtClean="0">
+              <a:solidFill>
+                <a:srgbClr val="000000"/>
+              </a:solidFill>
+            </a:endParaRPr>
+          </a:p>
+          <a:p>
+            <a:pPr algn="ctr"/>
+            <a:endParaRPr lang="en-US" sz="2000" b="1" dirty="0">
+              <a:solidFill>
+                <a:srgbClr val="000000"/>
+              </a:solidFill>
+            </a:endParaRPr>
+          </a:p>
+          <a:p>
+            <a:pPr algn="ctr"/>
+            <a:endParaRPr lang="en-US" b="1" dirty="0">
               <a:solidFill>
                 <a:srgbClr val="000000"/>
               </a:solidFill>
@@ -19013,14 +19044,14 @@
           <p:cNvPr id="126" name="Curved Connector 125"/>
           <p:cNvCxnSpPr>
             <a:stCxn id="89" idx="3"/>
-            <a:endCxn id="61" idx="1"/>
+            <a:endCxn id="88" idx="1"/>
           </p:cNvCxnSpPr>
           <p:nvPr/>
         </p:nvCxnSpPr>
         <p:spPr>
           <a:xfrm flipV="1">
-            <a:off x="1752715" y="2463693"/>
-            <a:ext cx="733203" cy="3887"/>
+            <a:off x="1258200" y="2257415"/>
+            <a:ext cx="1321791" cy="5246"/>
           </a:xfrm>
           <a:prstGeom prst="curvedConnector3">
             <a:avLst>
@@ -19054,14 +19085,14 @@
           <p:cNvPr id="128" name="Curved Connector 127"/>
           <p:cNvCxnSpPr>
             <a:stCxn id="88" idx="3"/>
-            <a:endCxn id="68" idx="1"/>
+            <a:endCxn id="80" idx="1"/>
           </p:cNvCxnSpPr>
           <p:nvPr/>
         </p:nvCxnSpPr>
         <p:spPr>
           <a:xfrm>
-            <a:off x="4165204" y="2457084"/>
-            <a:ext cx="745116" cy="1905"/>
+            <a:off x="3924845" y="2257415"/>
+            <a:ext cx="1271351" cy="545"/>
           </a:xfrm>
           <a:prstGeom prst="curvedConnector3">
             <a:avLst>
@@ -19095,14 +19126,14 @@
           <p:cNvPr id="132" name="Curved Connector 131"/>
           <p:cNvCxnSpPr>
             <a:stCxn id="80" idx="3"/>
-            <a:endCxn id="78" idx="1"/>
+            <a:endCxn id="87" idx="1"/>
           </p:cNvCxnSpPr>
           <p:nvPr/>
         </p:nvCxnSpPr>
         <p:spPr>
           <a:xfrm flipV="1">
-            <a:off x="6606948" y="2445381"/>
-            <a:ext cx="744835" cy="8360"/>
+            <a:off x="6514421" y="2247464"/>
+            <a:ext cx="1388517" cy="10496"/>
           </a:xfrm>
           <a:prstGeom prst="curvedConnector3">
             <a:avLst>
@@ -19142,8 +19173,8 @@
         </p:nvCxnSpPr>
         <p:spPr>
           <a:xfrm flipH="1">
-            <a:off x="3777588" y="1597211"/>
-            <a:ext cx="623921" cy="486874"/>
+            <a:off x="3252418" y="1326777"/>
+            <a:ext cx="735187" cy="357970"/>
           </a:xfrm>
           <a:prstGeom prst="line">
             <a:avLst/>
@@ -19181,8 +19212,8 @@
         </p:nvCxnSpPr>
         <p:spPr>
           <a:xfrm>
-            <a:off x="5598087" y="1597211"/>
-            <a:ext cx="628341" cy="479100"/>
+            <a:off x="5527073" y="1326777"/>
+            <a:ext cx="328236" cy="357972"/>
           </a:xfrm>
           <a:prstGeom prst="line">
             <a:avLst/>
@@ -19216,14 +19247,14 @@
           <p:nvPr/>
         </p:nvCxnSpPr>
         <p:spPr>
-          <a:xfrm>
-            <a:off x="1763209" y="3121655"/>
-            <a:ext cx="722708" cy="0"/>
+          <a:xfrm flipV="1">
+            <a:off x="1258200" y="3115845"/>
+            <a:ext cx="1305917" cy="1732"/>
           </a:xfrm>
           <a:prstGeom prst="line">
             <a:avLst/>
           </a:prstGeom>
-          <a:ln>
+          <a:ln w="38100" cmpd="sng">
             <a:solidFill>
               <a:srgbClr val="000000"/>
             </a:solidFill>
@@ -19252,13 +19283,13 @@
         </p:nvCxnSpPr>
         <p:spPr>
           <a:xfrm>
-            <a:off x="4165201" y="3121655"/>
-            <a:ext cx="745119" cy="0"/>
+            <a:off x="3830773" y="3131666"/>
+            <a:ext cx="1365422" cy="119"/>
           </a:xfrm>
           <a:prstGeom prst="line">
             <a:avLst/>
           </a:prstGeom>
-          <a:ln>
+          <a:ln w="38100" cmpd="sng">
             <a:solidFill>
               <a:srgbClr val="000000"/>
             </a:solidFill>
@@ -19286,14 +19317,14 @@
           <p:nvPr/>
         </p:nvCxnSpPr>
         <p:spPr>
-          <a:xfrm>
-            <a:off x="6606947" y="3121655"/>
-            <a:ext cx="745119" cy="0"/>
+          <a:xfrm flipV="1">
+            <a:off x="6514420" y="3131667"/>
+            <a:ext cx="1388517" cy="118"/>
           </a:xfrm>
           <a:prstGeom prst="line">
             <a:avLst/>
           </a:prstGeom>
-          <a:ln>
+          <a:ln w="38100" cmpd="sng">
             <a:solidFill>
               <a:srgbClr val="000000"/>
             </a:solidFill>
@@ -19322,8 +19353,8 @@
         </p:nvSpPr>
         <p:spPr>
           <a:xfrm>
-            <a:off x="1689742" y="2830082"/>
-            <a:ext cx="871528" cy="276999"/>
+            <a:off x="1234682" y="2692429"/>
+            <a:ext cx="1329435" cy="400110"/>
           </a:xfrm>
           <a:prstGeom prst="rect">
             <a:avLst/>
@@ -19337,10 +19368,10 @@
           <a:lstStyle/>
           <a:p>
             <a:r>
-              <a:rPr lang="en-US" sz="1200" dirty="0" err="1" smtClean="0"/>
+              <a:rPr lang="en-US" sz="2000" dirty="0" err="1" smtClean="0"/>
               <a:t>Subsession</a:t>
             </a:r>
-            <a:endParaRPr lang="en-US" sz="1200" dirty="0"/>
+            <a:endParaRPr lang="en-US" sz="2000" dirty="0"/>
           </a:p>
         </p:txBody>
       </p:sp>
@@ -19352,8 +19383,8 @@
         </p:nvSpPr>
         <p:spPr>
           <a:xfrm>
-            <a:off x="4108190" y="2841667"/>
-            <a:ext cx="871528" cy="276999"/>
+            <a:off x="3902038" y="2711072"/>
+            <a:ext cx="1329435" cy="400110"/>
           </a:xfrm>
           <a:prstGeom prst="rect">
             <a:avLst/>
@@ -19367,10 +19398,10 @@
           <a:lstStyle/>
           <a:p>
             <a:r>
-              <a:rPr lang="en-US" sz="1200" dirty="0" err="1" smtClean="0"/>
+              <a:rPr lang="en-US" sz="2000" dirty="0" err="1" smtClean="0"/>
               <a:t>Subsession</a:t>
             </a:r>
-            <a:endParaRPr lang="en-US" sz="1200" dirty="0"/>
+            <a:endParaRPr lang="en-US" sz="2000" dirty="0"/>
           </a:p>
         </p:txBody>
       </p:sp>
@@ -19382,8 +19413,8 @@
         </p:nvSpPr>
         <p:spPr>
           <a:xfrm>
-            <a:off x="6565109" y="2840578"/>
-            <a:ext cx="871528" cy="276999"/>
+            <a:off x="6563648" y="2715735"/>
+            <a:ext cx="1329435" cy="400110"/>
           </a:xfrm>
           <a:prstGeom prst="rect">
             <a:avLst/>
@@ -19397,10 +19428,10 @@
           <a:lstStyle/>
           <a:p>
             <a:r>
-              <a:rPr lang="en-US" sz="1200" dirty="0" err="1" smtClean="0"/>
+              <a:rPr lang="en-US" sz="2000" dirty="0" err="1" smtClean="0"/>
               <a:t>Subsession</a:t>
             </a:r>
-            <a:endParaRPr lang="en-US" sz="1200" dirty="0"/>
+            <a:endParaRPr lang="en-US" sz="2000" dirty="0"/>
           </a:p>
         </p:txBody>
       </p:sp>
@@ -19414,7 +19445,7 @@
         </p:nvCxnSpPr>
         <p:spPr>
           <a:xfrm>
-            <a:off x="2937945" y="2830082"/>
+            <a:off x="3222814" y="2830082"/>
             <a:ext cx="0" cy="276999"/>
           </a:xfrm>
           <a:prstGeom prst="straightConnector1">
@@ -19451,13 +19482,13 @@
         </p:nvCxnSpPr>
         <p:spPr>
           <a:xfrm>
-            <a:off x="4910320" y="3131666"/>
-            <a:ext cx="1696628" cy="0"/>
+            <a:off x="5196196" y="3131666"/>
+            <a:ext cx="1318224" cy="119"/>
           </a:xfrm>
           <a:prstGeom prst="straightConnector1">
             <a:avLst/>
           </a:prstGeom>
-          <a:ln>
+          <a:ln w="38100" cmpd="sng">
             <a:solidFill>
               <a:srgbClr val="000000"/>
             </a:solidFill>
@@ -19490,7 +19521,7 @@
         </p:nvCxnSpPr>
         <p:spPr>
           <a:xfrm>
-            <a:off x="5378114" y="2831170"/>
+            <a:off x="5892944" y="2829320"/>
             <a:ext cx="0" cy="265415"/>
           </a:xfrm>
           <a:prstGeom prst="straightConnector1">
@@ -19526,14 +19557,14 @@
           <p:nvPr/>
         </p:nvCxnSpPr>
         <p:spPr>
-          <a:xfrm flipH="1">
-            <a:off x="7352068" y="3117577"/>
-            <a:ext cx="464206" cy="1"/>
+          <a:xfrm flipH="1" flipV="1">
+            <a:off x="7902939" y="3131667"/>
+            <a:ext cx="734195" cy="118"/>
           </a:xfrm>
           <a:prstGeom prst="straightConnector1">
             <a:avLst/>
           </a:prstGeom>
-          <a:ln>
+          <a:ln w="38100" cmpd="sng">
             <a:solidFill>
               <a:srgbClr val="000000"/>
             </a:solidFill>
@@ -19563,13 +19594,13 @@
         </p:nvCxnSpPr>
         <p:spPr>
           <a:xfrm>
-            <a:off x="2485918" y="3117577"/>
-            <a:ext cx="1679286" cy="14089"/>
+            <a:off x="2579990" y="3117577"/>
+            <a:ext cx="1344855" cy="14089"/>
           </a:xfrm>
           <a:prstGeom prst="straightConnector1">
             <a:avLst/>
           </a:prstGeom>
-          <a:ln>
+          <a:ln w="38100" cmpd="sng">
             <a:solidFill>
               <a:srgbClr val="000000"/>
             </a:solidFill>
@@ -19602,13 +19633,13 @@
         </p:nvCxnSpPr>
         <p:spPr>
           <a:xfrm flipV="1">
-            <a:off x="469663" y="2830082"/>
-            <a:ext cx="0" cy="301584"/>
+            <a:off x="523023" y="2830081"/>
+            <a:ext cx="0" cy="287496"/>
           </a:xfrm>
           <a:prstGeom prst="straightConnector1">
             <a:avLst/>
           </a:prstGeom>
-          <a:ln>
+          <a:ln w="38100" cmpd="sng">
             <a:solidFill>
               <a:srgbClr val="000000"/>
             </a:solidFill>
@@ -19637,14 +19668,14 @@
           <p:nvPr/>
         </p:nvCxnSpPr>
         <p:spPr>
-          <a:xfrm>
-            <a:off x="469663" y="3131666"/>
-            <a:ext cx="1293546" cy="0"/>
+          <a:xfrm flipV="1">
+            <a:off x="523023" y="3131667"/>
+            <a:ext cx="735177" cy="118"/>
           </a:xfrm>
           <a:prstGeom prst="straightConnector1">
             <a:avLst/>
           </a:prstGeom>
-          <a:ln>
+          <a:ln w="38100" cmpd="sng">
             <a:solidFill>
               <a:schemeClr val="tx1"/>
             </a:solidFill>
@@ -19676,13 +19707,13 @@
         </p:nvCxnSpPr>
         <p:spPr>
           <a:xfrm flipV="1">
-            <a:off x="7816274" y="2810178"/>
+            <a:off x="8637134" y="2810178"/>
             <a:ext cx="0" cy="321488"/>
           </a:xfrm>
           <a:prstGeom prst="straightConnector1">
             <a:avLst/>
           </a:prstGeom>
-          <a:ln>
+          <a:ln w="38100" cmpd="sng">
             <a:solidFill>
               <a:srgbClr val="000000"/>
             </a:solidFill>
@@ -19715,8 +19746,8 @@
         </p:nvCxnSpPr>
         <p:spPr>
           <a:xfrm flipH="1">
-            <a:off x="1317159" y="1385892"/>
-            <a:ext cx="2836530" cy="708689"/>
+            <a:off x="652082" y="1115458"/>
+            <a:ext cx="3016689" cy="569285"/>
           </a:xfrm>
           <a:prstGeom prst="line">
             <a:avLst/>
@@ -19754,8 +19785,8 @@
         </p:nvCxnSpPr>
         <p:spPr>
           <a:xfrm flipH="1" flipV="1">
-            <a:off x="5845907" y="1385892"/>
-            <a:ext cx="2838923" cy="694691"/>
+            <a:off x="5845907" y="1115458"/>
+            <a:ext cx="2650010" cy="569291"/>
           </a:xfrm>
           <a:prstGeom prst="line">
             <a:avLst/>
@@ -19784,61 +19815,14 @@
       </p:cxnSp>
       <p:sp>
         <p:nvSpPr>
-          <p:cNvPr id="233" name="Left Brace 232"/>
-          <p:cNvSpPr/>
-          <p:nvPr/>
-        </p:nvSpPr>
-        <p:spPr>
-          <a:xfrm rot="16200000">
-            <a:off x="3979996" y="-318980"/>
-            <a:ext cx="356839" cy="7489044"/>
-          </a:xfrm>
-          <a:prstGeom prst="leftBrace">
-            <a:avLst>
-              <a:gd name="adj1" fmla="val 8333"/>
-              <a:gd name="adj2" fmla="val 54345"/>
-            </a:avLst>
-          </a:prstGeom>
-          <a:ln w="3175" cmpd="sng">
-            <a:solidFill>
-              <a:schemeClr val="tx1"/>
-            </a:solidFill>
-            <a:prstDash val="solid"/>
-          </a:ln>
-        </p:spPr>
-        <p:style>
-          <a:lnRef idx="2">
-            <a:schemeClr val="accent1"/>
-          </a:lnRef>
-          <a:fillRef idx="0">
-            <a:schemeClr val="accent1"/>
-          </a:fillRef>
-          <a:effectRef idx="1">
-            <a:schemeClr val="accent1"/>
-          </a:effectRef>
-          <a:fontRef idx="minor">
-            <a:schemeClr val="tx1"/>
-          </a:fontRef>
-        </p:style>
-        <p:txBody>
-          <a:bodyPr rtlCol="0" anchor="ctr"/>
-          <a:lstStyle/>
-          <a:p>
-            <a:pPr algn="ctr"/>
-            <a:endParaRPr lang="en-US"/>
-          </a:p>
-        </p:txBody>
-      </p:sp>
-      <p:sp>
-        <p:nvSpPr>
           <p:cNvPr id="234" name="TextBox 233"/>
           <p:cNvSpPr txBox="1"/>
           <p:nvPr/>
         </p:nvSpPr>
         <p:spPr>
           <a:xfrm>
-            <a:off x="3830773" y="3547743"/>
-            <a:ext cx="1410287" cy="369332"/>
+            <a:off x="3666860" y="3762645"/>
+            <a:ext cx="2091188" cy="523220"/>
           </a:xfrm>
           <a:prstGeom prst="rect">
             <a:avLst/>
@@ -19852,10 +19836,10 @@
           <a:lstStyle/>
           <a:p>
             <a:r>
-              <a:rPr lang="en-US" dirty="0" smtClean="0"/>
+              <a:rPr lang="en-US" sz="2800" dirty="0" smtClean="0"/>
               <a:t>Supersession</a:t>
             </a:r>
-            <a:endParaRPr lang="en-US" dirty="0"/>
+            <a:endParaRPr lang="en-US" sz="2800" dirty="0"/>
           </a:p>
         </p:txBody>
       </p:sp>
@@ -19867,7 +19851,7 @@
         </p:nvSpPr>
         <p:spPr>
           <a:xfrm>
-            <a:off x="4931308" y="4072553"/>
+            <a:off x="4931308" y="4354745"/>
             <a:ext cx="1755748" cy="454281"/>
           </a:xfrm>
           <a:prstGeom prst="rect">
@@ -19921,7 +19905,7 @@
         </p:nvSpPr>
         <p:spPr>
           <a:xfrm>
-            <a:off x="7204848" y="4072553"/>
+            <a:off x="7204848" y="4354745"/>
             <a:ext cx="1755748" cy="454281"/>
           </a:xfrm>
           <a:prstGeom prst="rect">
@@ -19978,7 +19962,7 @@
         </p:nvSpPr>
         <p:spPr>
           <a:xfrm>
-            <a:off x="2676715" y="4072553"/>
+            <a:off x="2676715" y="4354745"/>
             <a:ext cx="1755748" cy="454281"/>
           </a:xfrm>
           <a:prstGeom prst="rect">
@@ -20035,7 +20019,7 @@
         </p:nvSpPr>
         <p:spPr>
           <a:xfrm>
-            <a:off x="199410" y="4072553"/>
+            <a:off x="199410" y="4354745"/>
             <a:ext cx="2015091" cy="454281"/>
           </a:xfrm>
           <a:prstGeom prst="rect">
@@ -20083,6 +20067,265 @@
           </a:p>
         </p:txBody>
       </p:sp>
+      <p:sp>
+        <p:nvSpPr>
+          <p:cNvPr id="11" name="Rectangle 10"/>
+          <p:cNvSpPr/>
+          <p:nvPr/>
+        </p:nvSpPr>
+        <p:spPr>
+          <a:xfrm>
+            <a:off x="58301" y="2097304"/>
+            <a:ext cx="929444" cy="732777"/>
+          </a:xfrm>
+          <a:prstGeom prst="rect">
+            <a:avLst/>
+          </a:prstGeom>
+          <a:ln w="38100" cmpd="sng">
+            <a:noFill/>
+          </a:ln>
+        </p:spPr>
+        <p:style>
+          <a:lnRef idx="1">
+            <a:schemeClr val="accent1"/>
+          </a:lnRef>
+          <a:fillRef idx="3">
+            <a:schemeClr val="accent1"/>
+          </a:fillRef>
+          <a:effectRef idx="2">
+            <a:schemeClr val="accent1"/>
+          </a:effectRef>
+          <a:fontRef idx="minor">
+            <a:schemeClr val="lt1"/>
+          </a:fontRef>
+        </p:style>
+        <p:txBody>
+          <a:bodyPr rtlCol="0" anchor="ctr"/>
+          <a:lstStyle/>
+          <a:p>
+            <a:pPr algn="ctr"/>
+            <a:r>
+              <a:rPr lang="en-US" sz="2000" b="1" dirty="0" smtClean="0">
+                <a:solidFill>
+                  <a:schemeClr val="tx1"/>
+                </a:solidFill>
+              </a:rPr>
+              <a:t>Client</a:t>
+            </a:r>
+          </a:p>
+          <a:p>
+            <a:pPr algn="ctr"/>
+            <a:r>
+              <a:rPr lang="en-US" sz="2000" b="1" dirty="0" smtClean="0">
+                <a:solidFill>
+                  <a:schemeClr val="tx1"/>
+                </a:solidFill>
+              </a:rPr>
+              <a:t>App</a:t>
+            </a:r>
+            <a:endParaRPr lang="en-US" sz="2000" b="1" dirty="0">
+              <a:solidFill>
+                <a:schemeClr val="tx1"/>
+              </a:solidFill>
+            </a:endParaRPr>
+          </a:p>
+        </p:txBody>
+      </p:sp>
+      <p:sp>
+        <p:nvSpPr>
+          <p:cNvPr id="61" name="Rectangle 60"/>
+          <p:cNvSpPr/>
+          <p:nvPr/>
+        </p:nvSpPr>
+        <p:spPr>
+          <a:xfrm>
+            <a:off x="2770787" y="2097304"/>
+            <a:ext cx="904053" cy="732778"/>
+          </a:xfrm>
+          <a:prstGeom prst="rect">
+            <a:avLst/>
+          </a:prstGeom>
+          <a:ln w="38100" cmpd="sng">
+            <a:noFill/>
+          </a:ln>
+        </p:spPr>
+        <p:style>
+          <a:lnRef idx="1">
+            <a:schemeClr val="accent1"/>
+          </a:lnRef>
+          <a:fillRef idx="3">
+            <a:schemeClr val="accent1"/>
+          </a:fillRef>
+          <a:effectRef idx="2">
+            <a:schemeClr val="accent1"/>
+          </a:effectRef>
+          <a:fontRef idx="minor">
+            <a:schemeClr val="lt1"/>
+          </a:fontRef>
+        </p:style>
+        <p:txBody>
+          <a:bodyPr rtlCol="0" anchor="ctr"/>
+          <a:lstStyle/>
+          <a:p>
+            <a:pPr algn="ctr"/>
+            <a:r>
+              <a:rPr lang="en-US" sz="2000" b="1" dirty="0" smtClean="0">
+                <a:solidFill>
+                  <a:schemeClr val="tx1"/>
+                </a:solidFill>
+              </a:rPr>
+              <a:t>NF</a:t>
+            </a:r>
+            <a:endParaRPr lang="en-US" sz="2000" b="1" dirty="0">
+              <a:solidFill>
+                <a:schemeClr val="tx1"/>
+              </a:solidFill>
+            </a:endParaRPr>
+          </a:p>
+        </p:txBody>
+      </p:sp>
+      <p:sp>
+        <p:nvSpPr>
+          <p:cNvPr id="68" name="Rectangle 67"/>
+          <p:cNvSpPr/>
+          <p:nvPr/>
+        </p:nvSpPr>
+        <p:spPr>
+          <a:xfrm>
+            <a:off x="5425150" y="2084957"/>
+            <a:ext cx="935587" cy="744363"/>
+          </a:xfrm>
+          <a:prstGeom prst="rect">
+            <a:avLst/>
+          </a:prstGeom>
+          <a:ln w="38100" cmpd="sng">
+            <a:noFill/>
+          </a:ln>
+        </p:spPr>
+        <p:style>
+          <a:lnRef idx="1">
+            <a:schemeClr val="accent1"/>
+          </a:lnRef>
+          <a:fillRef idx="3">
+            <a:schemeClr val="accent1"/>
+          </a:fillRef>
+          <a:effectRef idx="2">
+            <a:schemeClr val="accent1"/>
+          </a:effectRef>
+          <a:fontRef idx="minor">
+            <a:schemeClr val="lt1"/>
+          </a:fontRef>
+        </p:style>
+        <p:txBody>
+          <a:bodyPr rtlCol="0" anchor="ctr"/>
+          <a:lstStyle/>
+          <a:p>
+            <a:pPr algn="ctr"/>
+            <a:r>
+              <a:rPr lang="en-US" sz="2000" b="1" dirty="0" smtClean="0">
+                <a:solidFill>
+                  <a:schemeClr val="tx1"/>
+                </a:solidFill>
+              </a:rPr>
+              <a:t>NF</a:t>
+            </a:r>
+            <a:endParaRPr lang="en-US" sz="2000" b="1" dirty="0">
+              <a:solidFill>
+                <a:schemeClr val="tx1"/>
+              </a:solidFill>
+            </a:endParaRPr>
+          </a:p>
+        </p:txBody>
+      </p:sp>
+      <p:sp>
+        <p:nvSpPr>
+          <p:cNvPr id="78" name="Rectangle 77"/>
+          <p:cNvSpPr/>
+          <p:nvPr/>
+        </p:nvSpPr>
+        <p:spPr>
+          <a:xfrm>
+            <a:off x="8172643" y="2080584"/>
+            <a:ext cx="928981" cy="729594"/>
+          </a:xfrm>
+          <a:prstGeom prst="rect">
+            <a:avLst/>
+          </a:prstGeom>
+          <a:ln w="38100" cmpd="sng">
+            <a:noFill/>
+          </a:ln>
+        </p:spPr>
+        <p:style>
+          <a:lnRef idx="1">
+            <a:schemeClr val="accent1"/>
+          </a:lnRef>
+          <a:fillRef idx="3">
+            <a:schemeClr val="accent1"/>
+          </a:fillRef>
+          <a:effectRef idx="2">
+            <a:schemeClr val="accent1"/>
+          </a:effectRef>
+          <a:fontRef idx="minor">
+            <a:schemeClr val="lt1"/>
+          </a:fontRef>
+        </p:style>
+        <p:txBody>
+          <a:bodyPr rtlCol="0" anchor="ctr"/>
+          <a:lstStyle/>
+          <a:p>
+            <a:pPr algn="ctr"/>
+            <a:r>
+              <a:rPr lang="en-US" sz="2000" b="1" dirty="0" smtClean="0">
+                <a:solidFill>
+                  <a:schemeClr val="tx1"/>
+                </a:solidFill>
+              </a:rPr>
+              <a:t>Server</a:t>
+            </a:r>
+          </a:p>
+          <a:p>
+            <a:pPr algn="ctr"/>
+            <a:r>
+              <a:rPr lang="en-US" sz="2000" b="1" dirty="0" smtClean="0">
+                <a:solidFill>
+                  <a:schemeClr val="tx1"/>
+                </a:solidFill>
+              </a:rPr>
+              <a:t>App</a:t>
+            </a:r>
+          </a:p>
+        </p:txBody>
+      </p:sp>
+      <p:pic>
+        <p:nvPicPr>
+          <p:cNvPr id="83" name="Picture 82" descr="rbrace2.png"/>
+          <p:cNvPicPr>
+            <a:picLocks noChangeAspect="1"/>
+          </p:cNvPicPr>
+          <p:nvPr/>
+        </p:nvPicPr>
+        <p:blipFill>
+          <a:blip r:embed="rId2">
+            <a:extLst>
+              <a:ext uri="{28A0092B-C50C-407E-A947-70E740481C1C}">
+                <a14:useLocalDpi xmlns:a14="http://schemas.microsoft.com/office/drawing/2010/main" val="0"/>
+              </a:ext>
+            </a:extLst>
+          </a:blip>
+          <a:stretch>
+            <a:fillRect/>
+          </a:stretch>
+        </p:blipFill>
+        <p:spPr>
+          <a:xfrm rot="5400000">
+            <a:off x="4330640" y="-614406"/>
+            <a:ext cx="505008" cy="8249093"/>
+          </a:xfrm>
+          <a:prstGeom prst="rect">
+            <a:avLst/>
+          </a:prstGeom>
+        </p:spPr>
+      </p:pic>
     </p:spTree>
     <p:extLst>
       <p:ext uri="{BB962C8B-B14F-4D97-AF65-F5344CB8AC3E}">
@@ -20213,7 +20456,7 @@
             <a:avLst/>
           </a:prstGeom>
           <a:solidFill>
-            <a:schemeClr val="accent3">
+            <a:schemeClr val="bg2">
               <a:lumMod val="50000"/>
             </a:schemeClr>
           </a:solidFill>
@@ -20262,7 +20505,7 @@
             <a:avLst/>
           </a:prstGeom>
           <a:solidFill>
-            <a:srgbClr val="953735"/>
+            <a:srgbClr val="CCFFCC"/>
           </a:solidFill>
           <a:ln>
             <a:solidFill>
@@ -20308,7 +20551,7 @@
             <a:avLst/>
           </a:prstGeom>
           <a:solidFill>
-            <a:schemeClr val="accent3">
+            <a:schemeClr val="bg2">
               <a:lumMod val="50000"/>
             </a:schemeClr>
           </a:solidFill>
@@ -20357,9 +20600,7 @@
             <a:avLst/>
           </a:prstGeom>
           <a:solidFill>
-            <a:schemeClr val="accent2">
-              <a:lumMod val="75000"/>
-            </a:schemeClr>
+            <a:srgbClr val="CCFFCC"/>
           </a:solidFill>
           <a:ln w="38100" cmpd="sng">
             <a:solidFill>
@@ -20523,8 +20764,8 @@
         </p:nvSpPr>
         <p:spPr>
           <a:xfrm>
-            <a:off x="1172491" y="0"/>
-            <a:ext cx="771711" cy="368473"/>
+            <a:off x="1042018" y="-23516"/>
+            <a:ext cx="1125605" cy="461665"/>
           </a:xfrm>
           <a:prstGeom prst="rect">
             <a:avLst/>
@@ -20538,10 +20779,10 @@
           <a:lstStyle/>
           <a:p>
             <a:r>
-              <a:rPr lang="en-US" dirty="0" smtClean="0"/>
+              <a:rPr lang="en-US" sz="2400" dirty="0" smtClean="0"/>
               <a:t>Insert</a:t>
             </a:r>
-            <a:endParaRPr lang="en-US" dirty="0"/>
+            <a:endParaRPr lang="en-US" sz="2400" dirty="0"/>
           </a:p>
         </p:txBody>
       </p:sp>
@@ -20560,7 +20801,7 @@
             <a:avLst/>
           </a:prstGeom>
           <a:solidFill>
-            <a:schemeClr val="accent3">
+            <a:schemeClr val="bg2">
               <a:lumMod val="50000"/>
             </a:schemeClr>
           </a:solidFill>
@@ -20609,7 +20850,7 @@
             <a:avLst/>
           </a:prstGeom>
           <a:solidFill>
-            <a:schemeClr val="accent3">
+            <a:schemeClr val="bg2">
               <a:lumMod val="50000"/>
             </a:schemeClr>
           </a:solidFill>
@@ -20782,7 +21023,7 @@
             <a:avLst/>
           </a:prstGeom>
           <a:solidFill>
-            <a:srgbClr val="953735"/>
+            <a:srgbClr val="CCFFCC"/>
           </a:solidFill>
           <a:ln>
             <a:solidFill>
@@ -20821,8 +21062,8 @@
         </p:nvSpPr>
         <p:spPr>
           <a:xfrm>
-            <a:off x="3675235" y="-8618"/>
-            <a:ext cx="950087" cy="369332"/>
+            <a:off x="3639958" y="-43892"/>
+            <a:ext cx="1205228" cy="461665"/>
           </a:xfrm>
           <a:prstGeom prst="rect">
             <a:avLst/>
@@ -20836,10 +21077,10 @@
           <a:lstStyle/>
           <a:p>
             <a:r>
-              <a:rPr lang="en-US" dirty="0" smtClean="0"/>
+              <a:rPr lang="en-US" sz="2400" dirty="0" smtClean="0"/>
               <a:t>Remove</a:t>
             </a:r>
-            <a:endParaRPr lang="en-US" dirty="0"/>
+            <a:endParaRPr lang="en-US" sz="2400" dirty="0"/>
           </a:p>
         </p:txBody>
       </p:sp>
@@ -20851,8 +21092,8 @@
         </p:nvSpPr>
         <p:spPr>
           <a:xfrm>
-            <a:off x="6504214" y="-8618"/>
-            <a:ext cx="922135" cy="369332"/>
+            <a:off x="6374865" y="-67408"/>
+            <a:ext cx="1167958" cy="461665"/>
           </a:xfrm>
           <a:prstGeom prst="rect">
             <a:avLst/>
@@ -20866,10 +21107,10 @@
           <a:lstStyle/>
           <a:p>
             <a:r>
-              <a:rPr lang="en-US" dirty="0" smtClean="0"/>
+              <a:rPr lang="en-US" sz="2400" dirty="0" smtClean="0"/>
               <a:t>Replace</a:t>
             </a:r>
-            <a:endParaRPr lang="en-US" dirty="0"/>
+            <a:endParaRPr lang="en-US" sz="2400" dirty="0"/>
           </a:p>
         </p:txBody>
       </p:sp>
@@ -20955,8 +21196,8 @@
         </p:nvSpPr>
         <p:spPr>
           <a:xfrm>
-            <a:off x="638052" y="364085"/>
-            <a:ext cx="301660" cy="369332"/>
+            <a:off x="638052" y="340569"/>
+            <a:ext cx="340658" cy="461665"/>
           </a:xfrm>
           <a:prstGeom prst="rect">
             <a:avLst/>
@@ -20970,10 +21211,10 @@
           <a:lstStyle/>
           <a:p>
             <a:r>
-              <a:rPr lang="en-US" dirty="0" smtClean="0"/>
+              <a:rPr lang="en-US" sz="2400" dirty="0" smtClean="0"/>
               <a:t>1</a:t>
             </a:r>
-            <a:endParaRPr lang="en-US" dirty="0"/>
+            <a:endParaRPr lang="en-US" sz="2400" dirty="0"/>
           </a:p>
         </p:txBody>
       </p:sp>
@@ -20985,8 +21226,8 @@
         </p:nvSpPr>
         <p:spPr>
           <a:xfrm>
-            <a:off x="1331879" y="773234"/>
-            <a:ext cx="301660" cy="369332"/>
+            <a:off x="1320120" y="749718"/>
+            <a:ext cx="340658" cy="461665"/>
           </a:xfrm>
           <a:prstGeom prst="rect">
             <a:avLst/>
@@ -21000,10 +21241,10 @@
           <a:lstStyle/>
           <a:p>
             <a:r>
-              <a:rPr lang="en-US" dirty="0" smtClean="0"/>
+              <a:rPr lang="en-US" sz="2400" dirty="0" smtClean="0"/>
               <a:t>2</a:t>
             </a:r>
-            <a:endParaRPr lang="en-US" dirty="0"/>
+            <a:endParaRPr lang="en-US" sz="2400" dirty="0"/>
           </a:p>
         </p:txBody>
       </p:sp>
@@ -21023,7 +21264,7 @@
           </a:xfrm>
           <a:prstGeom prst="curvedConnector3">
             <a:avLst>
-              <a:gd name="adj1" fmla="val 1235921"/>
+              <a:gd name="adj1" fmla="val 2346937"/>
             </a:avLst>
           </a:prstGeom>
           <a:ln>
@@ -21105,7 +21346,7 @@
           </a:xfrm>
           <a:prstGeom prst="curvedConnector3">
             <a:avLst>
-              <a:gd name="adj1" fmla="val 1039827"/>
+              <a:gd name="adj1" fmla="val 484315"/>
             </a:avLst>
           </a:prstGeom>
           <a:ln>
@@ -21140,8 +21381,8 @@
         </p:nvSpPr>
         <p:spPr>
           <a:xfrm>
-            <a:off x="3847478" y="686440"/>
-            <a:ext cx="301660" cy="369332"/>
+            <a:off x="3737490" y="485852"/>
+            <a:ext cx="340658" cy="461665"/>
           </a:xfrm>
           <a:prstGeom prst="rect">
             <a:avLst/>
@@ -21155,10 +21396,10 @@
           <a:lstStyle/>
           <a:p>
             <a:r>
-              <a:rPr lang="en-US" dirty="0" smtClean="0"/>
+              <a:rPr lang="en-US" sz="2400" dirty="0" smtClean="0"/>
               <a:t>1</a:t>
             </a:r>
-            <a:endParaRPr lang="en-US" dirty="0"/>
+            <a:endParaRPr lang="en-US" sz="2400" dirty="0"/>
           </a:p>
         </p:txBody>
       </p:sp>
@@ -21170,8 +21411,8 @@
         </p:nvSpPr>
         <p:spPr>
           <a:xfrm>
-            <a:off x="3448827" y="1161023"/>
-            <a:ext cx="301660" cy="369332"/>
+            <a:off x="3599657" y="1369205"/>
+            <a:ext cx="340658" cy="461665"/>
           </a:xfrm>
           <a:prstGeom prst="rect">
             <a:avLst/>
@@ -21185,7 +21426,7 @@
           <a:lstStyle/>
           <a:p>
             <a:r>
-              <a:rPr lang="en-US" dirty="0"/>
+              <a:rPr lang="en-US" sz="2400" dirty="0"/>
               <a:t>2</a:t>
             </a:r>
           </a:p>
@@ -21207,7 +21448,7 @@
           </a:xfrm>
           <a:prstGeom prst="curvedConnector3">
             <a:avLst>
-              <a:gd name="adj1" fmla="val 4839488"/>
+              <a:gd name="adj1" fmla="val 4098811"/>
             </a:avLst>
           </a:prstGeom>
           <a:ln>
@@ -21238,8 +21479,8 @@
         </p:nvSpPr>
         <p:spPr>
           <a:xfrm>
-            <a:off x="4064798" y="403902"/>
-            <a:ext cx="301660" cy="369332"/>
+            <a:off x="3987351" y="198698"/>
+            <a:ext cx="340658" cy="461665"/>
           </a:xfrm>
           <a:prstGeom prst="rect">
             <a:avLst/>
@@ -21253,10 +21494,10 @@
           <a:lstStyle/>
           <a:p>
             <a:r>
-              <a:rPr lang="en-US" dirty="0" smtClean="0"/>
+              <a:rPr lang="en-US" sz="2400" dirty="0" smtClean="0"/>
               <a:t>3</a:t>
             </a:r>
-            <a:endParaRPr lang="en-US" dirty="0"/>
+            <a:endParaRPr lang="en-US" sz="2400" dirty="0"/>
           </a:p>
         </p:txBody>
       </p:sp>
@@ -21309,8 +21550,8 @@
         </p:nvSpPr>
         <p:spPr>
           <a:xfrm>
-            <a:off x="3662784" y="957900"/>
-            <a:ext cx="301660" cy="369332"/>
+            <a:off x="3662784" y="899110"/>
+            <a:ext cx="340658" cy="461665"/>
           </a:xfrm>
           <a:prstGeom prst="rect">
             <a:avLst/>
@@ -21324,7 +21565,7 @@
           <a:lstStyle/>
           <a:p>
             <a:r>
-              <a:rPr lang="en-US" dirty="0"/>
+              <a:rPr lang="en-US" sz="2400" dirty="0"/>
               <a:t>4</a:t>
             </a:r>
           </a:p>
@@ -21379,8 +21620,8 @@
         </p:nvSpPr>
         <p:spPr>
           <a:xfrm>
-            <a:off x="4480798" y="773234"/>
-            <a:ext cx="301660" cy="369332"/>
+            <a:off x="4480798" y="761476"/>
+            <a:ext cx="340658" cy="461665"/>
           </a:xfrm>
           <a:prstGeom prst="rect">
             <a:avLst/>
@@ -21394,10 +21635,10 @@
           <a:lstStyle/>
           <a:p>
             <a:r>
-              <a:rPr lang="en-US" dirty="0" smtClean="0"/>
+              <a:rPr lang="en-US" sz="2400" dirty="0" smtClean="0"/>
               <a:t>4</a:t>
             </a:r>
-            <a:endParaRPr lang="en-US" dirty="0"/>
+            <a:endParaRPr lang="en-US" sz="2400" dirty="0"/>
           </a:p>
         </p:txBody>
       </p:sp>
@@ -21532,7 +21773,7 @@
           </a:xfrm>
           <a:prstGeom prst="curvedConnector3">
             <a:avLst>
-              <a:gd name="adj1" fmla="val -1144227"/>
+              <a:gd name="adj1" fmla="val -806764"/>
             </a:avLst>
           </a:prstGeom>
           <a:ln>
@@ -21567,8 +21808,8 @@
         </p:nvSpPr>
         <p:spPr>
           <a:xfrm>
-            <a:off x="6482251" y="578551"/>
-            <a:ext cx="301660" cy="369332"/>
+            <a:off x="6482251" y="519761"/>
+            <a:ext cx="340658" cy="461665"/>
           </a:xfrm>
           <a:prstGeom prst="rect">
             <a:avLst/>
@@ -21582,10 +21823,10 @@
           <a:lstStyle/>
           <a:p>
             <a:r>
-              <a:rPr lang="en-US" dirty="0" smtClean="0"/>
+              <a:rPr lang="en-US" sz="2400" dirty="0" smtClean="0"/>
               <a:t>1</a:t>
             </a:r>
-            <a:endParaRPr lang="en-US" dirty="0"/>
+            <a:endParaRPr lang="en-US" sz="2400" dirty="0"/>
           </a:p>
         </p:txBody>
       </p:sp>
@@ -21597,8 +21838,8 @@
         </p:nvSpPr>
         <p:spPr>
           <a:xfrm>
-            <a:off x="6016903" y="1332429"/>
-            <a:ext cx="301660" cy="369332"/>
+            <a:off x="6254908" y="1379461"/>
+            <a:ext cx="340658" cy="461665"/>
           </a:xfrm>
           <a:prstGeom prst="rect">
             <a:avLst/>
@@ -21612,7 +21853,7 @@
           <a:lstStyle/>
           <a:p>
             <a:r>
-              <a:rPr lang="en-US" dirty="0"/>
+              <a:rPr lang="en-US" sz="2400" dirty="0"/>
               <a:t>2</a:t>
             </a:r>
           </a:p>
@@ -21667,8 +21908,8 @@
         </p:nvSpPr>
         <p:spPr>
           <a:xfrm>
-            <a:off x="6061061" y="387434"/>
-            <a:ext cx="301660" cy="369332"/>
+            <a:off x="6061061" y="328644"/>
+            <a:ext cx="340658" cy="461665"/>
           </a:xfrm>
           <a:prstGeom prst="rect">
             <a:avLst/>
@@ -21682,10 +21923,10 @@
           <a:lstStyle/>
           <a:p>
             <a:r>
-              <a:rPr lang="en-US" dirty="0" smtClean="0"/>
+              <a:rPr lang="en-US" sz="2400" dirty="0" smtClean="0"/>
               <a:t>3</a:t>
             </a:r>
-            <a:endParaRPr lang="en-US" dirty="0"/>
+            <a:endParaRPr lang="en-US" sz="2400" dirty="0"/>
           </a:p>
         </p:txBody>
       </p:sp>
@@ -21697,8 +21938,8 @@
         </p:nvSpPr>
         <p:spPr>
           <a:xfrm>
-            <a:off x="6385843" y="953547"/>
-            <a:ext cx="301660" cy="369332"/>
+            <a:off x="6385843" y="894757"/>
+            <a:ext cx="340658" cy="461665"/>
           </a:xfrm>
           <a:prstGeom prst="rect">
             <a:avLst/>
@@ -21712,10 +21953,10 @@
           <a:lstStyle/>
           <a:p>
             <a:r>
-              <a:rPr lang="en-US" dirty="0" smtClean="0"/>
+              <a:rPr lang="en-US" sz="2400" dirty="0" smtClean="0"/>
               <a:t>4</a:t>
             </a:r>
-            <a:endParaRPr lang="en-US" dirty="0"/>
+            <a:endParaRPr lang="en-US" sz="2400" dirty="0"/>
           </a:p>
         </p:txBody>
       </p:sp>
@@ -21768,8 +22009,8 @@
         </p:nvSpPr>
         <p:spPr>
           <a:xfrm>
-            <a:off x="7195907" y="813396"/>
-            <a:ext cx="301660" cy="369332"/>
+            <a:off x="7184148" y="754606"/>
+            <a:ext cx="340658" cy="461665"/>
           </a:xfrm>
           <a:prstGeom prst="rect">
             <a:avLst/>
@@ -21783,10 +22024,10 @@
           <a:lstStyle/>
           <a:p>
             <a:r>
-              <a:rPr lang="en-US" dirty="0" smtClean="0"/>
+              <a:rPr lang="en-US" sz="2400" dirty="0" smtClean="0"/>
               <a:t>4</a:t>
             </a:r>
-            <a:endParaRPr lang="en-US" dirty="0"/>
+            <a:endParaRPr lang="en-US" sz="2400" dirty="0"/>
           </a:p>
         </p:txBody>
       </p:sp>
@@ -21797,9 +22038,9 @@
           <p:nvPr/>
         </p:nvCxnSpPr>
         <p:spPr>
-          <a:xfrm>
-            <a:off x="455733" y="2166872"/>
-            <a:ext cx="1189479" cy="0"/>
+          <a:xfrm flipV="1">
+            <a:off x="455733" y="2152062"/>
+            <a:ext cx="1402170" cy="14810"/>
           </a:xfrm>
           <a:prstGeom prst="straightConnector1">
             <a:avLst/>
@@ -21833,7 +22074,7 @@
         <p:spPr>
           <a:xfrm>
             <a:off x="455733" y="2193892"/>
-            <a:ext cx="1223525" cy="646331"/>
+            <a:ext cx="1569811" cy="830997"/>
           </a:xfrm>
           <a:prstGeom prst="rect">
             <a:avLst/>
@@ -21847,16 +22088,16 @@
           <a:lstStyle/>
           <a:p>
             <a:r>
-              <a:rPr lang="en-US" dirty="0" smtClean="0"/>
+              <a:rPr lang="en-US" sz="2400" dirty="0" smtClean="0"/>
               <a:t>Three-way </a:t>
             </a:r>
           </a:p>
           <a:p>
             <a:r>
-              <a:rPr lang="en-US" dirty="0" smtClean="0"/>
+              <a:rPr lang="en-US" sz="2400" dirty="0" smtClean="0"/>
               <a:t>Handshake</a:t>
             </a:r>
-            <a:endParaRPr lang="en-US" dirty="0"/>
+            <a:endParaRPr lang="en-US" sz="2400" dirty="0"/>
           </a:p>
         </p:txBody>
       </p:sp>
@@ -21868,8 +22109,8 @@
         </p:nvCxnSpPr>
         <p:spPr>
           <a:xfrm>
-            <a:off x="2956773" y="2161072"/>
-            <a:ext cx="771459" cy="0"/>
+            <a:off x="2707941" y="2152062"/>
+            <a:ext cx="1232374" cy="0"/>
           </a:xfrm>
           <a:prstGeom prst="straightConnector1">
             <a:avLst/>
@@ -21904,8 +22145,8 @@
         </p:nvSpPr>
         <p:spPr>
           <a:xfrm>
-            <a:off x="2707941" y="2205635"/>
-            <a:ext cx="1256098" cy="646331"/>
+            <a:off x="2529369" y="2205635"/>
+            <a:ext cx="1613242" cy="830997"/>
           </a:xfrm>
           <a:prstGeom prst="rect">
             <a:avLst/>
@@ -21920,16 +22161,16 @@
           <a:p>
             <a:pPr algn="ctr"/>
             <a:r>
-              <a:rPr lang="en-US" dirty="0" smtClean="0"/>
+              <a:rPr lang="en-US" sz="2400" dirty="0" smtClean="0"/>
               <a:t>Close Old </a:t>
             </a:r>
           </a:p>
           <a:p>
             <a:r>
-              <a:rPr lang="en-US" dirty="0" smtClean="0"/>
+              <a:rPr lang="en-US" sz="2400" dirty="0" smtClean="0"/>
               <a:t>Connection</a:t>
             </a:r>
-            <a:endParaRPr lang="en-US" dirty="0"/>
+            <a:endParaRPr lang="en-US" sz="2400" dirty="0"/>
           </a:p>
         </p:txBody>
       </p:sp>
@@ -21940,9 +22181,9 @@
           <p:nvPr/>
         </p:nvCxnSpPr>
         <p:spPr>
-          <a:xfrm flipV="1">
-            <a:off x="5090928" y="2162244"/>
-            <a:ext cx="731151" cy="7361"/>
+          <a:xfrm>
+            <a:off x="4919038" y="2162244"/>
+            <a:ext cx="1193866" cy="1"/>
           </a:xfrm>
           <a:prstGeom prst="straightConnector1">
             <a:avLst/>
@@ -21977,8 +22218,8 @@
         </p:nvSpPr>
         <p:spPr>
           <a:xfrm>
-            <a:off x="4956244" y="2196625"/>
-            <a:ext cx="1106305" cy="646331"/>
+            <a:off x="4802638" y="2196625"/>
+            <a:ext cx="1413518" cy="830997"/>
           </a:xfrm>
           <a:prstGeom prst="rect">
             <a:avLst/>
@@ -21993,17 +22234,17 @@
           <a:p>
             <a:pPr algn="ctr"/>
             <a:r>
-              <a:rPr lang="en-US" dirty="0" smtClean="0"/>
+              <a:rPr lang="en-US" sz="2400" dirty="0" smtClean="0"/>
               <a:t>Migration</a:t>
             </a:r>
           </a:p>
           <a:p>
             <a:pPr algn="ctr"/>
             <a:r>
-              <a:rPr lang="en-US" dirty="0" smtClean="0"/>
+              <a:rPr lang="en-US" sz="2400" dirty="0" smtClean="0"/>
               <a:t>Request</a:t>
             </a:r>
-            <a:endParaRPr lang="en-US" dirty="0"/>
+            <a:endParaRPr lang="en-US" sz="2400" dirty="0"/>
           </a:p>
         </p:txBody>
       </p:sp>
@@ -22015,8 +22256,8 @@
         </p:nvCxnSpPr>
         <p:spPr>
           <a:xfrm>
-            <a:off x="7211205" y="2152062"/>
-            <a:ext cx="846381" cy="0"/>
+            <a:off x="6943410" y="2152062"/>
+            <a:ext cx="1323083" cy="0"/>
           </a:xfrm>
           <a:prstGeom prst="straightConnector1">
             <a:avLst/>
@@ -22053,8 +22294,8 @@
         </p:nvSpPr>
         <p:spPr>
           <a:xfrm>
-            <a:off x="7096528" y="2196625"/>
-            <a:ext cx="1103374" cy="646331"/>
+            <a:off x="6943410" y="2196625"/>
+            <a:ext cx="1409611" cy="830997"/>
           </a:xfrm>
           <a:prstGeom prst="rect">
             <a:avLst/>
@@ -22069,17 +22310,17 @@
           <a:p>
             <a:pPr algn="ctr"/>
             <a:r>
-              <a:rPr lang="en-US" dirty="0" smtClean="0"/>
+              <a:rPr lang="en-US" sz="2400" dirty="0" smtClean="0"/>
               <a:t>Request</a:t>
             </a:r>
           </a:p>
           <a:p>
             <a:pPr algn="ctr"/>
             <a:r>
-              <a:rPr lang="en-US" dirty="0" smtClean="0"/>
+              <a:rPr lang="en-US" sz="2400" dirty="0" smtClean="0"/>
               <a:t>Approved</a:t>
             </a:r>
-            <a:endParaRPr lang="en-US" dirty="0"/>
+            <a:endParaRPr lang="en-US" sz="2400" dirty="0"/>
           </a:p>
         </p:txBody>
       </p:sp>
@@ -22120,7 +22361,7 @@
           <a:lstStyle/>
           <a:p>
             <a:pPr algn="ctr"/>
-            <a:endParaRPr lang="en-US"/>
+            <a:endParaRPr lang="en-US" sz="2400"/>
           </a:p>
         </p:txBody>
       </p:sp>
@@ -22132,7 +22373,7 @@
         </p:nvSpPr>
         <p:spPr>
           <a:xfrm>
-            <a:off x="2047623" y="2597705"/>
+            <a:off x="961057" y="3150338"/>
             <a:ext cx="255993" cy="254261"/>
           </a:xfrm>
           <a:prstGeom prst="ellipse">
@@ -22167,7 +22408,7 @@
           <a:lstStyle/>
           <a:p>
             <a:pPr algn="ctr"/>
-            <a:endParaRPr lang="en-US"/>
+            <a:endParaRPr lang="en-US" sz="2400"/>
           </a:p>
         </p:txBody>
       </p:sp>
@@ -22179,8 +22420,8 @@
         </p:nvSpPr>
         <p:spPr>
           <a:xfrm>
-            <a:off x="1684471" y="2795923"/>
-            <a:ext cx="1020081" cy="646331"/>
+            <a:off x="457768" y="3348556"/>
+            <a:ext cx="1300356" cy="830997"/>
           </a:xfrm>
           <a:prstGeom prst="rect">
             <a:avLst/>
@@ -22195,14 +22436,14 @@
           <a:p>
             <a:pPr algn="ctr"/>
             <a:r>
-              <a:rPr lang="en-US" dirty="0" smtClean="0"/>
+              <a:rPr lang="en-US" sz="2400" dirty="0" smtClean="0"/>
               <a:t>Signaling</a:t>
             </a:r>
           </a:p>
           <a:p>
             <a:pPr algn="ctr"/>
             <a:r>
-              <a:rPr lang="en-US" dirty="0" smtClean="0"/>
+              <a:rPr lang="en-US" sz="2400" dirty="0" smtClean="0"/>
               <a:t>Point</a:t>
             </a:r>
           </a:p>
@@ -22216,7 +22457,7 @@
         </p:nvSpPr>
         <p:spPr>
           <a:xfrm>
-            <a:off x="4412832" y="2597704"/>
+            <a:off x="3207580" y="3156971"/>
             <a:ext cx="255993" cy="254261"/>
           </a:xfrm>
           <a:prstGeom prst="ellipse">
@@ -22251,7 +22492,7 @@
           <a:lstStyle/>
           <a:p>
             <a:pPr algn="ctr"/>
-            <a:endParaRPr lang="en-US"/>
+            <a:endParaRPr lang="en-US" sz="2400"/>
           </a:p>
         </p:txBody>
       </p:sp>
@@ -22263,8 +22504,8 @@
         </p:nvSpPr>
         <p:spPr>
           <a:xfrm>
-            <a:off x="4024918" y="2795922"/>
-            <a:ext cx="1014784" cy="646331"/>
+            <a:off x="2681314" y="3355189"/>
+            <a:ext cx="1291489" cy="830997"/>
           </a:xfrm>
           <a:prstGeom prst="rect">
             <a:avLst/>
@@ -22279,14 +22520,14 @@
           <a:p>
             <a:pPr algn="ctr"/>
             <a:r>
-              <a:rPr lang="en-US" dirty="0" smtClean="0"/>
+              <a:rPr lang="en-US" sz="2400" dirty="0" smtClean="0"/>
               <a:t>Initiating</a:t>
             </a:r>
           </a:p>
           <a:p>
             <a:pPr algn="ctr"/>
             <a:r>
-              <a:rPr lang="en-US" dirty="0" smtClean="0"/>
+              <a:rPr lang="en-US" sz="2400" dirty="0" smtClean="0"/>
               <a:t>Point</a:t>
             </a:r>
           </a:p>
@@ -22300,14 +22541,14 @@
         </p:nvSpPr>
         <p:spPr>
           <a:xfrm>
-            <a:off x="6489887" y="2585962"/>
+            <a:off x="5246837" y="3148940"/>
             <a:ext cx="255993" cy="254261"/>
           </a:xfrm>
           <a:prstGeom prst="ellipse">
             <a:avLst/>
           </a:prstGeom>
           <a:solidFill>
-            <a:srgbClr val="953735"/>
+            <a:srgbClr val="CCFFCC"/>
           </a:solidFill>
           <a:ln w="3175" cmpd="sng">
             <a:solidFill>
@@ -22335,7 +22576,7 @@
           <a:lstStyle/>
           <a:p>
             <a:pPr algn="ctr"/>
-            <a:endParaRPr lang="en-US"/>
+            <a:endParaRPr lang="en-US" sz="2400"/>
           </a:p>
         </p:txBody>
       </p:sp>
@@ -22347,8 +22588,8 @@
         </p:nvSpPr>
         <p:spPr>
           <a:xfrm>
-            <a:off x="6088009" y="2792481"/>
-            <a:ext cx="1151277" cy="646331"/>
+            <a:off x="4683858" y="3355459"/>
+            <a:ext cx="1473480" cy="830997"/>
           </a:xfrm>
           <a:prstGeom prst="rect">
             <a:avLst/>
@@ -22363,14 +22604,14 @@
           <a:p>
             <a:pPr algn="ctr"/>
             <a:r>
-              <a:rPr lang="en-US" dirty="0" smtClean="0"/>
+              <a:rPr lang="en-US" sz="2400" dirty="0" smtClean="0"/>
               <a:t>New Right</a:t>
             </a:r>
           </a:p>
           <a:p>
             <a:pPr algn="ctr"/>
             <a:r>
-              <a:rPr lang="en-US" dirty="0" smtClean="0"/>
+              <a:rPr lang="en-US" sz="2400" dirty="0" smtClean="0"/>
               <a:t>Point</a:t>
             </a:r>
           </a:p>
